--- a/基础PPT/JavaSE进阶第三版/第10章：Java正则简介.pptx
+++ b/基础PPT/JavaSE进阶第三版/第10章：Java正则简介.pptx
@@ -5,7 +5,7 @@
     <p:sldMasterId id="2147483648" r:id="rId1"/>
   </p:sldMasterIdLst>
   <p:notesMasterIdLst>
-    <p:notesMasterId r:id="rId21"/>
+    <p:notesMasterId r:id="rId18"/>
   </p:notesMasterIdLst>
   <p:sldIdLst>
     <p:sldId id="660" r:id="rId3"/>
@@ -15,17 +15,14 @@
     <p:sldId id="740" r:id="rId7"/>
     <p:sldId id="707" r:id="rId8"/>
     <p:sldId id="687" r:id="rId9"/>
-    <p:sldId id="725" r:id="rId10"/>
-    <p:sldId id="726" r:id="rId11"/>
-    <p:sldId id="727" r:id="rId12"/>
-    <p:sldId id="723" r:id="rId13"/>
-    <p:sldId id="688" r:id="rId14"/>
-    <p:sldId id="705" r:id="rId15"/>
-    <p:sldId id="728" r:id="rId16"/>
-    <p:sldId id="729" r:id="rId17"/>
-    <p:sldId id="730" r:id="rId18"/>
-    <p:sldId id="731" r:id="rId19"/>
-    <p:sldId id="662" r:id="rId20"/>
+    <p:sldId id="723" r:id="rId10"/>
+    <p:sldId id="688" r:id="rId11"/>
+    <p:sldId id="705" r:id="rId12"/>
+    <p:sldId id="728" r:id="rId13"/>
+    <p:sldId id="729" r:id="rId14"/>
+    <p:sldId id="730" r:id="rId15"/>
+    <p:sldId id="731" r:id="rId16"/>
+    <p:sldId id="662" r:id="rId17"/>
   </p:sldIdLst>
   <p:sldSz cx="12192000" cy="6858000"/>
   <p:notesSz cx="6858000" cy="9144000"/>
@@ -6370,1182 +6367,6 @@
         <p:nvPr/>
       </p:nvGrpSpPr>
       <p:grpSpPr/>
-      <p:pic>
-        <p:nvPicPr>
-          <p:cNvPr id="2" name="图片 1"/>
-          <p:cNvPicPr>
-            <a:picLocks noChangeAspect="1"/>
-          </p:cNvPicPr>
-          <p:nvPr/>
-        </p:nvPicPr>
-        <p:blipFill>
-          <a:blip r:embed="rId2"/>
-          <a:stretch>
-            <a:fillRect/>
-          </a:stretch>
-        </p:blipFill>
-        <p:spPr>
-          <a:xfrm>
-            <a:off x="1478280" y="8890"/>
-            <a:ext cx="9174480" cy="5577840"/>
-          </a:xfrm>
-          <a:prstGeom prst="rect">
-            <a:avLst/>
-          </a:prstGeom>
-        </p:spPr>
-      </p:pic>
-      <p:pic>
-        <p:nvPicPr>
-          <p:cNvPr id="3" name="图片 2"/>
-          <p:cNvPicPr>
-            <a:picLocks noChangeAspect="1"/>
-          </p:cNvPicPr>
-          <p:nvPr/>
-        </p:nvPicPr>
-        <p:blipFill>
-          <a:blip r:embed="rId3"/>
-          <a:stretch>
-            <a:fillRect/>
-          </a:stretch>
-        </p:blipFill>
-        <p:spPr>
-          <a:xfrm>
-            <a:off x="1456690" y="5553710"/>
-            <a:ext cx="9235440" cy="1295400"/>
-          </a:xfrm>
-          <a:prstGeom prst="rect">
-            <a:avLst/>
-          </a:prstGeom>
-        </p:spPr>
-      </p:pic>
-    </p:spTree>
-    <p:custDataLst>
-      <p:tags r:id="rId4"/>
-    </p:custDataLst>
-  </p:cSld>
-  <p:clrMapOvr>
-    <a:masterClrMapping/>
-  </p:clrMapOvr>
-</p:sld>
-</file>
-
-<file path=ppt/slides/slide11.xml><?xml version="1.0" encoding="utf-8"?>
-<p:sld xmlns:a="http://schemas.openxmlformats.org/drawingml/2006/main" xmlns:r="http://schemas.openxmlformats.org/officeDocument/2006/relationships" xmlns:p="http://schemas.openxmlformats.org/presentationml/2006/main">
-  <p:cSld>
-    <p:bg>
-      <p:bgPr>
-        <a:blipFill rotWithShape="1">
-          <a:blip r:embed="rId1"/>
-          <a:stretch>
-            <a:fillRect/>
-          </a:stretch>
-        </a:blipFill>
-        <a:effectLst/>
-      </p:bgPr>
-    </p:bg>
-    <p:spTree>
-      <p:nvGrpSpPr>
-        <p:cNvPr id="1" name=""/>
-        <p:cNvGrpSpPr/>
-        <p:nvPr/>
-      </p:nvGrpSpPr>
-      <p:grpSpPr/>
-      <p:sp>
-        <p:nvSpPr>
-          <p:cNvPr id="4" name="圆角矩形 3"/>
-          <p:cNvSpPr/>
-          <p:nvPr/>
-        </p:nvSpPr>
-        <p:spPr>
-          <a:xfrm>
-            <a:off x="3453765" y="2649855"/>
-            <a:ext cx="5045710" cy="1202055"/>
-          </a:xfrm>
-          <a:prstGeom prst="roundRect">
-            <a:avLst/>
-          </a:prstGeom>
-          <a:solidFill>
-            <a:srgbClr val="F59909"/>
-          </a:solidFill>
-          <a:ln>
-            <a:solidFill>
-              <a:schemeClr val="bg1"/>
-            </a:solidFill>
-          </a:ln>
-        </p:spPr>
-        <p:style>
-          <a:lnRef idx="2">
-            <a:schemeClr val="accent1">
-              <a:shade val="50000"/>
-            </a:schemeClr>
-          </a:lnRef>
-          <a:fillRef idx="1">
-            <a:schemeClr val="accent1"/>
-          </a:fillRef>
-          <a:effectRef idx="0">
-            <a:schemeClr val="accent1"/>
-          </a:effectRef>
-          <a:fontRef idx="minor">
-            <a:schemeClr val="lt1"/>
-          </a:fontRef>
-        </p:style>
-        <p:txBody>
-          <a:bodyPr rtlCol="0" anchor="ctr"/>
-          <a:p>
-            <a:pPr algn="ctr"/>
-            <a:r>
-              <a:rPr lang="zh-CN" altLang="en-US" sz="3200">
-                <a:sym typeface="+mn-ea"/>
-              </a:rPr>
-              <a:t>正则 </a:t>
-            </a:r>
-            <a:r>
-              <a:rPr lang="en-US" altLang="zh-CN" sz="3200">
-                <a:sym typeface="+mn-ea"/>
-              </a:rPr>
-              <a:t>API</a:t>
-            </a:r>
-            <a:endParaRPr lang="zh-CN" altLang="en-US" sz="3200">
-              <a:latin typeface="+mj-ea"/>
-              <a:ea typeface="+mj-ea"/>
-              <a:cs typeface="+mj-ea"/>
-              <a:sym typeface="+mn-ea"/>
-            </a:endParaRPr>
-          </a:p>
-        </p:txBody>
-      </p:sp>
-    </p:spTree>
-    <p:custDataLst>
-      <p:tags r:id="rId2"/>
-    </p:custDataLst>
-  </p:cSld>
-  <p:clrMapOvr>
-    <a:masterClrMapping/>
-  </p:clrMapOvr>
-</p:sld>
-</file>
-
-<file path=ppt/slides/slide12.xml><?xml version="1.0" encoding="utf-8"?>
-<p:sld xmlns:a="http://schemas.openxmlformats.org/drawingml/2006/main" xmlns:r="http://schemas.openxmlformats.org/officeDocument/2006/relationships" xmlns:p="http://schemas.openxmlformats.org/presentationml/2006/main">
-  <p:cSld>
-    <p:bg>
-      <p:bgPr>
-        <a:blipFill rotWithShape="1">
-          <a:blip r:embed="rId1"/>
-          <a:stretch>
-            <a:fillRect/>
-          </a:stretch>
-        </a:blipFill>
-        <a:effectLst/>
-      </p:bgPr>
-    </p:bg>
-    <p:spTree>
-      <p:nvGrpSpPr>
-        <p:cNvPr id="1" name=""/>
-        <p:cNvGrpSpPr/>
-        <p:nvPr/>
-      </p:nvGrpSpPr>
-      <p:grpSpPr/>
-      <p:sp>
-        <p:nvSpPr>
-          <p:cNvPr id="19" name="矩形 18"/>
-          <p:cNvSpPr/>
-          <p:nvPr/>
-        </p:nvSpPr>
-        <p:spPr>
-          <a:xfrm>
-            <a:off x="2437130" y="753745"/>
-            <a:ext cx="9475470" cy="949960"/>
-          </a:xfrm>
-          <a:prstGeom prst="rect">
-            <a:avLst/>
-          </a:prstGeom>
-          <a:solidFill>
-            <a:schemeClr val="tx2"/>
-          </a:solidFill>
-        </p:spPr>
-        <p:style>
-          <a:lnRef idx="2">
-            <a:schemeClr val="accent1">
-              <a:shade val="50000"/>
-            </a:schemeClr>
-          </a:lnRef>
-          <a:fillRef idx="1">
-            <a:schemeClr val="accent1"/>
-          </a:fillRef>
-          <a:effectRef idx="0">
-            <a:schemeClr val="accent1"/>
-          </a:effectRef>
-          <a:fontRef idx="minor">
-            <a:schemeClr val="lt1"/>
-          </a:fontRef>
-        </p:style>
-        <p:txBody>
-          <a:bodyPr rtlCol="0" anchor="ctr"/>
-          <a:p>
-            <a:pPr algn="l"/>
-            <a:r>
-              <a:rPr lang="zh-CN" altLang="en-US" sz="1200">
-                <a:solidFill>
-                  <a:schemeClr val="tx1"/>
-                </a:solidFill>
-                <a:latin typeface="+mn-ea"/>
-                <a:cs typeface="+mn-ea"/>
-                <a:sym typeface="+mn-ea"/>
-              </a:rPr>
-              <a:t>matches方法</a:t>
-            </a:r>
-            <a:endParaRPr lang="zh-CN" altLang="en-US" sz="1200">
-              <a:solidFill>
-                <a:schemeClr val="tx1"/>
-              </a:solidFill>
-              <a:latin typeface="+mn-ea"/>
-              <a:cs typeface="+mn-ea"/>
-            </a:endParaRPr>
-          </a:p>
-          <a:p>
-            <a:pPr algn="l"/>
-            <a:r>
-              <a:rPr lang="zh-CN" altLang="en-US" sz="1200">
-                <a:solidFill>
-                  <a:schemeClr val="tx1"/>
-                </a:solidFill>
-                <a:latin typeface="+mn-ea"/>
-                <a:cs typeface="+mn-ea"/>
-                <a:sym typeface="+mn-ea"/>
-              </a:rPr>
-              <a:t>matches()方法的参数要求我们传入一个用字符串描述的正则表达式，然后使用该正则表达式描述的字符串格式规则来匹配当前字符串，若满足那么该方法返回true。否则返回false。</a:t>
-            </a:r>
-            <a:endParaRPr lang="zh-CN" altLang="en-US" sz="1200">
-              <a:solidFill>
-                <a:schemeClr val="tx1"/>
-              </a:solidFill>
-              <a:latin typeface="+mn-ea"/>
-              <a:cs typeface="+mn-ea"/>
-              <a:sym typeface="+mn-ea"/>
-            </a:endParaRPr>
-          </a:p>
-        </p:txBody>
-      </p:sp>
-      <p:sp>
-        <p:nvSpPr>
-          <p:cNvPr id="5" name="矩形 4"/>
-          <p:cNvSpPr/>
-          <p:nvPr/>
-        </p:nvSpPr>
-        <p:spPr>
-          <a:xfrm>
-            <a:off x="118110" y="2511425"/>
-            <a:ext cx="1694180" cy="543560"/>
-          </a:xfrm>
-          <a:prstGeom prst="rect">
-            <a:avLst/>
-          </a:prstGeom>
-          <a:solidFill>
-            <a:srgbClr val="F59909"/>
-          </a:solidFill>
-          <a:ln>
-            <a:solidFill>
-              <a:schemeClr val="bg1"/>
-            </a:solidFill>
-          </a:ln>
-        </p:spPr>
-        <p:style>
-          <a:lnRef idx="2">
-            <a:schemeClr val="accent1">
-              <a:shade val="50000"/>
-            </a:schemeClr>
-          </a:lnRef>
-          <a:fillRef idx="1">
-            <a:schemeClr val="accent1"/>
-          </a:fillRef>
-          <a:effectRef idx="0">
-            <a:schemeClr val="accent1"/>
-          </a:effectRef>
-          <a:fontRef idx="minor">
-            <a:schemeClr val="lt1"/>
-          </a:fontRef>
-        </p:style>
-        <p:txBody>
-          <a:bodyPr rtlCol="0" anchor="ctr"/>
-          <a:p>
-            <a:pPr algn="ctr"/>
-            <a:r>
-              <a:rPr lang="en-US" altLang="zh-CN" sz="1400">
-                <a:solidFill>
-                  <a:schemeClr val="bg1"/>
-                </a:solidFill>
-                <a:latin typeface="+mn-ea"/>
-                <a:cs typeface="+mn-ea"/>
-                <a:sym typeface="+mn-ea"/>
-              </a:rPr>
-              <a:t>String </a:t>
-            </a:r>
-            <a:r>
-              <a:rPr lang="zh-CN" altLang="en-US" sz="1400">
-                <a:solidFill>
-                  <a:schemeClr val="bg1"/>
-                </a:solidFill>
-                <a:latin typeface="+mn-ea"/>
-                <a:cs typeface="+mn-ea"/>
-                <a:sym typeface="+mn-ea"/>
-              </a:rPr>
-              <a:t>类相关正则 </a:t>
-            </a:r>
-            <a:r>
-              <a:rPr lang="en-US" altLang="zh-CN" sz="1400">
-                <a:solidFill>
-                  <a:schemeClr val="bg1"/>
-                </a:solidFill>
-                <a:latin typeface="+mn-ea"/>
-                <a:cs typeface="+mn-ea"/>
-                <a:sym typeface="+mn-ea"/>
-              </a:rPr>
-              <a:t>API</a:t>
-            </a:r>
-            <a:endParaRPr lang="en-US" altLang="zh-CN" sz="1400">
-              <a:solidFill>
-                <a:schemeClr val="bg1"/>
-              </a:solidFill>
-              <a:latin typeface="+mn-ea"/>
-              <a:cs typeface="+mn-ea"/>
-              <a:sym typeface="+mn-ea"/>
-            </a:endParaRPr>
-          </a:p>
-        </p:txBody>
-      </p:sp>
-      <p:sp>
-        <p:nvSpPr>
-          <p:cNvPr id="3" name="矩形 2"/>
-          <p:cNvSpPr/>
-          <p:nvPr/>
-        </p:nvSpPr>
-        <p:spPr>
-          <a:xfrm>
-            <a:off x="2456180" y="1886585"/>
-            <a:ext cx="9456420" cy="1003935"/>
-          </a:xfrm>
-          <a:prstGeom prst="rect">
-            <a:avLst/>
-          </a:prstGeom>
-          <a:solidFill>
-            <a:schemeClr val="tx2"/>
-          </a:solidFill>
-        </p:spPr>
-        <p:style>
-          <a:lnRef idx="2">
-            <a:schemeClr val="accent1">
-              <a:shade val="50000"/>
-            </a:schemeClr>
-          </a:lnRef>
-          <a:fillRef idx="1">
-            <a:schemeClr val="accent1"/>
-          </a:fillRef>
-          <a:effectRef idx="0">
-            <a:schemeClr val="accent1"/>
-          </a:effectRef>
-          <a:fontRef idx="minor">
-            <a:schemeClr val="lt1"/>
-          </a:fontRef>
-        </p:style>
-        <p:txBody>
-          <a:bodyPr rtlCol="0" anchor="ctr"/>
-          <a:p>
-            <a:pPr algn="l"/>
-            <a:r>
-              <a:rPr lang="zh-CN" altLang="en-US" sz="1200">
-                <a:solidFill>
-                  <a:schemeClr val="tx1"/>
-                </a:solidFill>
-                <a:latin typeface="+mn-ea"/>
-                <a:cs typeface="+mn-ea"/>
-                <a:sym typeface="+mn-ea"/>
-              </a:rPr>
-              <a:t>split方法</a:t>
-            </a:r>
-            <a:endParaRPr lang="zh-CN" altLang="en-US" sz="1200">
-              <a:solidFill>
-                <a:schemeClr val="tx1"/>
-              </a:solidFill>
-              <a:latin typeface="+mn-ea"/>
-              <a:cs typeface="+mn-ea"/>
-            </a:endParaRPr>
-          </a:p>
-          <a:p>
-            <a:pPr algn="l"/>
-            <a:r>
-              <a:rPr lang="zh-CN" altLang="en-US" sz="1200">
-                <a:solidFill>
-                  <a:schemeClr val="tx1"/>
-                </a:solidFill>
-                <a:latin typeface="+mn-ea"/>
-                <a:cs typeface="+mn-ea"/>
-                <a:sym typeface="+mn-ea"/>
-              </a:rPr>
-              <a:t>String[] split(String regex):参数要求传入一个用字符串描述的正则表达式，然后使用该正则表达式描述的字符串规则来匹配当前字符串，并按照满足的部分将字符串拆分。</a:t>
-            </a:r>
-            <a:endParaRPr lang="zh-CN" altLang="en-US" sz="1200">
-              <a:solidFill>
-                <a:schemeClr val="tx1"/>
-              </a:solidFill>
-              <a:latin typeface="+mn-ea"/>
-              <a:cs typeface="+mn-ea"/>
-              <a:sym typeface="+mn-ea"/>
-            </a:endParaRPr>
-          </a:p>
-        </p:txBody>
-      </p:sp>
-      <p:sp>
-        <p:nvSpPr>
-          <p:cNvPr id="4" name="矩形 3"/>
-          <p:cNvSpPr/>
-          <p:nvPr/>
-        </p:nvSpPr>
-        <p:spPr>
-          <a:xfrm>
-            <a:off x="2437765" y="3055620"/>
-            <a:ext cx="9475470" cy="1631950"/>
-          </a:xfrm>
-          <a:prstGeom prst="rect">
-            <a:avLst/>
-          </a:prstGeom>
-          <a:solidFill>
-            <a:schemeClr val="tx2"/>
-          </a:solidFill>
-        </p:spPr>
-        <p:style>
-          <a:lnRef idx="2">
-            <a:schemeClr val="accent1">
-              <a:shade val="50000"/>
-            </a:schemeClr>
-          </a:lnRef>
-          <a:fillRef idx="1">
-            <a:schemeClr val="accent1"/>
-          </a:fillRef>
-          <a:effectRef idx="0">
-            <a:schemeClr val="accent1"/>
-          </a:effectRef>
-          <a:fontRef idx="minor">
-            <a:schemeClr val="lt1"/>
-          </a:fontRef>
-        </p:style>
-        <p:txBody>
-          <a:bodyPr rtlCol="0" anchor="ctr"/>
-          <a:p>
-            <a:pPr algn="l"/>
-            <a:r>
-              <a:rPr lang="zh-CN" altLang="en-US" sz="1200">
-                <a:solidFill>
-                  <a:schemeClr val="tx1"/>
-                </a:solidFill>
-                <a:latin typeface="+mn-ea"/>
-                <a:cs typeface="+mn-ea"/>
-                <a:sym typeface="+mn-ea"/>
-              </a:rPr>
-              <a:t>replaceAll方法</a:t>
-            </a:r>
-            <a:endParaRPr lang="zh-CN" altLang="en-US" sz="1200">
-              <a:solidFill>
-                <a:schemeClr val="tx1"/>
-              </a:solidFill>
-              <a:latin typeface="+mn-ea"/>
-              <a:cs typeface="+mn-ea"/>
-            </a:endParaRPr>
-          </a:p>
-          <a:p>
-            <a:pPr algn="l"/>
-            <a:r>
-              <a:rPr lang="zh-CN" altLang="en-US" sz="1200">
-                <a:solidFill>
-                  <a:schemeClr val="tx1"/>
-                </a:solidFill>
-                <a:latin typeface="+mn-ea"/>
-                <a:cs typeface="+mn-ea"/>
-                <a:sym typeface="+mn-ea"/>
-              </a:rPr>
-              <a:t>String replaceAll(String regex,String replacement):参数要求传入一个用字符串描述的正则表达式和一个需要替换的字符串，然后使用该正则表达式描述的字符串规则来匹配当前字符串，并将满足的部分替换为需要替换的这个字符串。</a:t>
-            </a:r>
-            <a:endParaRPr lang="zh-CN" altLang="en-US" sz="1200">
-              <a:solidFill>
-                <a:schemeClr val="tx1"/>
-              </a:solidFill>
-              <a:latin typeface="+mn-ea"/>
-              <a:cs typeface="+mn-ea"/>
-            </a:endParaRPr>
-          </a:p>
-          <a:p>
-            <a:pPr algn="l"/>
-            <a:r>
-              <a:rPr lang="zh-CN" altLang="en-US" sz="1200">
-                <a:solidFill>
-                  <a:schemeClr val="tx1"/>
-                </a:solidFill>
-                <a:latin typeface="+mn-ea"/>
-                <a:cs typeface="+mn-ea"/>
-                <a:sym typeface="+mn-ea"/>
-              </a:rPr>
-              <a:t>例如:</a:t>
-            </a:r>
-            <a:endParaRPr lang="zh-CN" altLang="en-US" sz="1200">
-              <a:solidFill>
-                <a:schemeClr val="tx1"/>
-              </a:solidFill>
-              <a:latin typeface="+mn-ea"/>
-              <a:cs typeface="+mn-ea"/>
-            </a:endParaRPr>
-          </a:p>
-          <a:p>
-            <a:pPr algn="l"/>
-            <a:r>
-              <a:rPr lang="zh-CN" altLang="en-US" sz="1200">
-                <a:solidFill>
-                  <a:schemeClr val="tx1"/>
-                </a:solidFill>
-                <a:latin typeface="+mn-ea"/>
-                <a:cs typeface="+mn-ea"/>
-                <a:sym typeface="+mn-ea"/>
-              </a:rPr>
-              <a:t>	String str = "abc123bcd45ef6g7890";</a:t>
-            </a:r>
-            <a:endParaRPr lang="zh-CN" altLang="en-US" sz="1200">
-              <a:solidFill>
-                <a:schemeClr val="tx1"/>
-              </a:solidFill>
-              <a:latin typeface="+mn-ea"/>
-              <a:cs typeface="+mn-ea"/>
-            </a:endParaRPr>
-          </a:p>
-          <a:p>
-            <a:pPr algn="l"/>
-            <a:r>
-              <a:rPr lang="zh-CN" altLang="en-US" sz="1200">
-                <a:solidFill>
-                  <a:schemeClr val="tx1"/>
-                </a:solidFill>
-                <a:latin typeface="+mn-ea"/>
-                <a:cs typeface="+mn-ea"/>
-                <a:sym typeface="+mn-ea"/>
-              </a:rPr>
-              <a:t>	str = str.replaceAll("\\d+", "数字");</a:t>
-            </a:r>
-            <a:endParaRPr lang="zh-CN" altLang="en-US" sz="1200">
-              <a:solidFill>
-                <a:schemeClr val="tx1"/>
-              </a:solidFill>
-              <a:latin typeface="+mn-ea"/>
-              <a:cs typeface="+mn-ea"/>
-            </a:endParaRPr>
-          </a:p>
-          <a:p>
-            <a:pPr algn="l"/>
-            <a:r>
-              <a:rPr lang="zh-CN" altLang="en-US" sz="1200">
-                <a:solidFill>
-                  <a:schemeClr val="tx1"/>
-                </a:solidFill>
-                <a:latin typeface="+mn-ea"/>
-                <a:cs typeface="+mn-ea"/>
-                <a:sym typeface="+mn-ea"/>
-              </a:rPr>
-              <a:t>	System.out.println(str);//abc数字bcd数字ef数字g数字</a:t>
-            </a:r>
-            <a:endParaRPr lang="zh-CN" altLang="en-US" sz="1200">
-              <a:solidFill>
-                <a:schemeClr val="tx1"/>
-              </a:solidFill>
-              <a:latin typeface="+mn-ea"/>
-              <a:cs typeface="+mn-ea"/>
-              <a:sym typeface="+mn-ea"/>
-            </a:endParaRPr>
-          </a:p>
-        </p:txBody>
-      </p:sp>
-      <p:sp>
-        <p:nvSpPr>
-          <p:cNvPr id="10" name="左大括号 9"/>
-          <p:cNvSpPr/>
-          <p:nvPr/>
-        </p:nvSpPr>
-        <p:spPr>
-          <a:xfrm>
-            <a:off x="2001520" y="754380"/>
-            <a:ext cx="317500" cy="3933190"/>
-          </a:xfrm>
-          <a:prstGeom prst="leftBrace">
-            <a:avLst/>
-          </a:prstGeom>
-          <a:ln w="28575">
-            <a:solidFill>
-              <a:srgbClr val="F9680D"/>
-            </a:solidFill>
-          </a:ln>
-        </p:spPr>
-        <p:style>
-          <a:lnRef idx="1">
-            <a:schemeClr val="accent1"/>
-          </a:lnRef>
-          <a:fillRef idx="0">
-            <a:schemeClr val="accent1"/>
-          </a:fillRef>
-          <a:effectRef idx="0">
-            <a:schemeClr val="accent1"/>
-          </a:effectRef>
-          <a:fontRef idx="minor">
-            <a:schemeClr val="tx1"/>
-          </a:fontRef>
-        </p:style>
-        <p:txBody>
-          <a:bodyPr rtlCol="0" anchor="ctr"/>
-          <a:p>
-            <a:pPr algn="ctr"/>
-            <a:endParaRPr lang="zh-CN" altLang="en-US" sz="1200">
-              <a:solidFill>
-                <a:schemeClr val="tx1"/>
-              </a:solidFill>
-              <a:latin typeface="+mn-ea"/>
-            </a:endParaRPr>
-          </a:p>
-        </p:txBody>
-      </p:sp>
-      <p:sp>
-        <p:nvSpPr>
-          <p:cNvPr id="6" name="矩形 5"/>
-          <p:cNvSpPr/>
-          <p:nvPr/>
-        </p:nvSpPr>
-        <p:spPr>
-          <a:xfrm>
-            <a:off x="10191750" y="1649730"/>
-            <a:ext cx="1336040" cy="393700"/>
-          </a:xfrm>
-          <a:prstGeom prst="rect">
-            <a:avLst/>
-          </a:prstGeom>
-          <a:solidFill>
-            <a:schemeClr val="bg1">
-              <a:lumMod val="50000"/>
-            </a:schemeClr>
-          </a:solidFill>
-          <a:ln>
-            <a:solidFill>
-              <a:schemeClr val="bg1"/>
-            </a:solidFill>
-          </a:ln>
-        </p:spPr>
-        <p:style>
-          <a:lnRef idx="2">
-            <a:schemeClr val="accent1">
-              <a:shade val="50000"/>
-            </a:schemeClr>
-          </a:lnRef>
-          <a:fillRef idx="1">
-            <a:schemeClr val="accent1"/>
-          </a:fillRef>
-          <a:effectRef idx="0">
-            <a:schemeClr val="accent1"/>
-          </a:effectRef>
-          <a:fontRef idx="minor">
-            <a:schemeClr val="lt1"/>
-          </a:fontRef>
-        </p:style>
-        <p:txBody>
-          <a:bodyPr rtlCol="0" anchor="ctr"/>
-          <a:p>
-            <a:pPr algn="ctr"/>
-            <a:r>
-              <a:rPr lang="zh-CN" sz="1200">
-                <a:latin typeface="+mn-ea"/>
-                <a:cs typeface="+mn-ea"/>
-                <a:sym typeface="+mn-ea"/>
-              </a:rPr>
-              <a:t>分割</a:t>
-            </a:r>
-            <a:endParaRPr lang="zh-CN" sz="1200">
-              <a:solidFill>
-                <a:schemeClr val="bg1"/>
-              </a:solidFill>
-              <a:latin typeface="+mn-ea"/>
-              <a:cs typeface="+mn-ea"/>
-              <a:sym typeface="+mn-ea"/>
-            </a:endParaRPr>
-          </a:p>
-        </p:txBody>
-      </p:sp>
-      <p:sp>
-        <p:nvSpPr>
-          <p:cNvPr id="7" name="矩形 6"/>
-          <p:cNvSpPr/>
-          <p:nvPr/>
-        </p:nvSpPr>
-        <p:spPr>
-          <a:xfrm>
-            <a:off x="10191750" y="525780"/>
-            <a:ext cx="1336040" cy="393700"/>
-          </a:xfrm>
-          <a:prstGeom prst="rect">
-            <a:avLst/>
-          </a:prstGeom>
-          <a:solidFill>
-            <a:schemeClr val="bg1">
-              <a:lumMod val="50000"/>
-            </a:schemeClr>
-          </a:solidFill>
-          <a:ln>
-            <a:solidFill>
-              <a:schemeClr val="bg1"/>
-            </a:solidFill>
-          </a:ln>
-        </p:spPr>
-        <p:style>
-          <a:lnRef idx="2">
-            <a:schemeClr val="accent1">
-              <a:shade val="50000"/>
-            </a:schemeClr>
-          </a:lnRef>
-          <a:fillRef idx="1">
-            <a:schemeClr val="accent1"/>
-          </a:fillRef>
-          <a:effectRef idx="0">
-            <a:schemeClr val="accent1"/>
-          </a:effectRef>
-          <a:fontRef idx="minor">
-            <a:schemeClr val="lt1"/>
-          </a:fontRef>
-        </p:style>
-        <p:txBody>
-          <a:bodyPr rtlCol="0" anchor="ctr"/>
-          <a:p>
-            <a:pPr algn="ctr"/>
-            <a:r>
-              <a:rPr lang="zh-CN" sz="1200">
-                <a:latin typeface="+mn-ea"/>
-                <a:cs typeface="+mn-ea"/>
-                <a:sym typeface="+mn-ea"/>
-              </a:rPr>
-              <a:t>匹配</a:t>
-            </a:r>
-            <a:endParaRPr lang="zh-CN" sz="1200">
-              <a:solidFill>
-                <a:schemeClr val="bg1"/>
-              </a:solidFill>
-              <a:latin typeface="+mn-ea"/>
-              <a:cs typeface="+mn-ea"/>
-              <a:sym typeface="+mn-ea"/>
-            </a:endParaRPr>
-          </a:p>
-        </p:txBody>
-      </p:sp>
-      <p:sp>
-        <p:nvSpPr>
-          <p:cNvPr id="12" name="矩形 11"/>
-          <p:cNvSpPr/>
-          <p:nvPr/>
-        </p:nvSpPr>
-        <p:spPr>
-          <a:xfrm>
-            <a:off x="10191750" y="2879090"/>
-            <a:ext cx="1336040" cy="393700"/>
-          </a:xfrm>
-          <a:prstGeom prst="rect">
-            <a:avLst/>
-          </a:prstGeom>
-          <a:solidFill>
-            <a:schemeClr val="bg1">
-              <a:lumMod val="50000"/>
-            </a:schemeClr>
-          </a:solidFill>
-          <a:ln>
-            <a:solidFill>
-              <a:schemeClr val="bg1"/>
-            </a:solidFill>
-          </a:ln>
-        </p:spPr>
-        <p:style>
-          <a:lnRef idx="2">
-            <a:schemeClr val="accent1">
-              <a:shade val="50000"/>
-            </a:schemeClr>
-          </a:lnRef>
-          <a:fillRef idx="1">
-            <a:schemeClr val="accent1"/>
-          </a:fillRef>
-          <a:effectRef idx="0">
-            <a:schemeClr val="accent1"/>
-          </a:effectRef>
-          <a:fontRef idx="minor">
-            <a:schemeClr val="lt1"/>
-          </a:fontRef>
-        </p:style>
-        <p:txBody>
-          <a:bodyPr rtlCol="0" anchor="ctr"/>
-          <a:p>
-            <a:pPr algn="ctr"/>
-            <a:r>
-              <a:rPr lang="zh-CN" sz="1200">
-                <a:latin typeface="+mn-ea"/>
-                <a:cs typeface="+mn-ea"/>
-                <a:sym typeface="+mn-ea"/>
-              </a:rPr>
-              <a:t>替换</a:t>
-            </a:r>
-            <a:endParaRPr lang="zh-CN" sz="1200">
-              <a:solidFill>
-                <a:schemeClr val="bg1"/>
-              </a:solidFill>
-              <a:latin typeface="+mn-ea"/>
-              <a:cs typeface="+mn-ea"/>
-              <a:sym typeface="+mn-ea"/>
-            </a:endParaRPr>
-          </a:p>
-        </p:txBody>
-      </p:sp>
-      <p:sp>
-        <p:nvSpPr>
-          <p:cNvPr id="13" name="矩形 12"/>
-          <p:cNvSpPr/>
-          <p:nvPr/>
-        </p:nvSpPr>
-        <p:spPr>
-          <a:xfrm>
-            <a:off x="2437130" y="5059045"/>
-            <a:ext cx="9475470" cy="1568450"/>
-          </a:xfrm>
-          <a:prstGeom prst="rect">
-            <a:avLst/>
-          </a:prstGeom>
-          <a:solidFill>
-            <a:schemeClr val="tx2"/>
-          </a:solidFill>
-        </p:spPr>
-        <p:style>
-          <a:lnRef idx="2">
-            <a:schemeClr val="accent1">
-              <a:shade val="50000"/>
-            </a:schemeClr>
-          </a:lnRef>
-          <a:fillRef idx="1">
-            <a:schemeClr val="accent1"/>
-          </a:fillRef>
-          <a:effectRef idx="0">
-            <a:schemeClr val="accent1"/>
-          </a:effectRef>
-          <a:fontRef idx="minor">
-            <a:schemeClr val="lt1"/>
-          </a:fontRef>
-        </p:style>
-        <p:txBody>
-          <a:bodyPr rtlCol="0" anchor="ctr"/>
-          <a:p>
-            <a:pPr algn="l"/>
-            <a:r>
-              <a:rPr lang="zh-CN" altLang="en-US" sz="1200">
-                <a:solidFill>
-                  <a:schemeClr val="tx1"/>
-                </a:solidFill>
-                <a:latin typeface="+mn-ea"/>
-                <a:cs typeface="+mn-ea"/>
-                <a:sym typeface="+mn-ea"/>
-              </a:rPr>
-              <a:t>Pattern 类：pattern 对象是一个正则表达式的</a:t>
-            </a:r>
-            <a:r>
-              <a:rPr lang="zh-CN" altLang="en-US" sz="1200" b="1">
-                <a:solidFill>
-                  <a:srgbClr val="F59909"/>
-                </a:solidFill>
-                <a:latin typeface="+mn-ea"/>
-                <a:cs typeface="+mn-ea"/>
-                <a:sym typeface="+mn-ea"/>
-              </a:rPr>
-              <a:t>编译表示</a:t>
-            </a:r>
-            <a:r>
-              <a:rPr lang="zh-CN" altLang="en-US" sz="1200">
-                <a:solidFill>
-                  <a:schemeClr val="tx1"/>
-                </a:solidFill>
-                <a:latin typeface="+mn-ea"/>
-                <a:cs typeface="+mn-ea"/>
-                <a:sym typeface="+mn-ea"/>
-              </a:rPr>
-              <a:t>。Pattern 类没有公共构造方法。要创建一个 Pattern 对象，你必须首先调用其公共静态编译方法，它返回一个 Pattern 对象。该方法接受一个正则表达式作为它的第一个参数。</a:t>
-            </a:r>
-            <a:endParaRPr lang="zh-CN" altLang="en-US" sz="1200">
-              <a:solidFill>
-                <a:schemeClr val="tx1"/>
-              </a:solidFill>
-              <a:latin typeface="+mn-ea"/>
-              <a:cs typeface="+mn-ea"/>
-            </a:endParaRPr>
-          </a:p>
-          <a:p>
-            <a:pPr algn="l"/>
-            <a:endParaRPr lang="zh-CN" altLang="en-US" sz="1200">
-              <a:solidFill>
-                <a:schemeClr val="tx1"/>
-              </a:solidFill>
-              <a:latin typeface="+mn-ea"/>
-              <a:cs typeface="+mn-ea"/>
-            </a:endParaRPr>
-          </a:p>
-          <a:p>
-            <a:pPr algn="l"/>
-            <a:r>
-              <a:rPr lang="zh-CN" altLang="en-US" sz="1200">
-                <a:solidFill>
-                  <a:schemeClr val="tx1"/>
-                </a:solidFill>
-                <a:latin typeface="+mn-ea"/>
-                <a:cs typeface="+mn-ea"/>
-                <a:sym typeface="+mn-ea"/>
-              </a:rPr>
-              <a:t>Matcher 类：Matcher 对象是对输入字符串进行解释和匹配操作的引擎。与Pattern 类一样，Matcher 也没有公共构造方法。你需要调用 Pattern 对象的 matcher 方法来获得一个 Matcher 对象。</a:t>
-            </a:r>
-            <a:endParaRPr lang="zh-CN" altLang="en-US" sz="1200">
-              <a:solidFill>
-                <a:schemeClr val="tx1"/>
-              </a:solidFill>
-              <a:latin typeface="+mn-ea"/>
-              <a:cs typeface="+mn-ea"/>
-            </a:endParaRPr>
-          </a:p>
-          <a:p>
-            <a:pPr algn="l"/>
-            <a:endParaRPr lang="zh-CN" altLang="en-US" sz="1200">
-              <a:solidFill>
-                <a:schemeClr val="tx1"/>
-              </a:solidFill>
-              <a:latin typeface="+mn-ea"/>
-              <a:cs typeface="+mn-ea"/>
-            </a:endParaRPr>
-          </a:p>
-          <a:p>
-            <a:pPr algn="l"/>
-            <a:r>
-              <a:rPr lang="zh-CN" altLang="en-US" sz="1200">
-                <a:solidFill>
-                  <a:schemeClr val="tx1"/>
-                </a:solidFill>
-                <a:latin typeface="+mn-ea"/>
-                <a:cs typeface="+mn-ea"/>
-                <a:sym typeface="+mn-ea"/>
-              </a:rPr>
-              <a:t>PatternSyntaxException：PatternSyntaxException 是一个非强制异常类，它表示一个正则表达式模式中的语法错误。</a:t>
-            </a:r>
-            <a:endParaRPr lang="zh-CN" altLang="en-US" sz="1200">
-              <a:solidFill>
-                <a:schemeClr val="tx1"/>
-              </a:solidFill>
-              <a:latin typeface="+mn-ea"/>
-              <a:cs typeface="+mn-ea"/>
-              <a:sym typeface="+mn-ea"/>
-            </a:endParaRPr>
-          </a:p>
-        </p:txBody>
-      </p:sp>
-      <p:sp>
-        <p:nvSpPr>
-          <p:cNvPr id="14" name="矩形 13"/>
-          <p:cNvSpPr/>
-          <p:nvPr/>
-        </p:nvSpPr>
-        <p:spPr>
-          <a:xfrm>
-            <a:off x="10191750" y="4769485"/>
-            <a:ext cx="1336040" cy="353695"/>
-          </a:xfrm>
-          <a:prstGeom prst="rect">
-            <a:avLst/>
-          </a:prstGeom>
-          <a:solidFill>
-            <a:schemeClr val="bg1">
-              <a:lumMod val="50000"/>
-            </a:schemeClr>
-          </a:solidFill>
-          <a:ln>
-            <a:solidFill>
-              <a:schemeClr val="bg1"/>
-            </a:solidFill>
-          </a:ln>
-        </p:spPr>
-        <p:style>
-          <a:lnRef idx="2">
-            <a:schemeClr val="accent1">
-              <a:shade val="50000"/>
-            </a:schemeClr>
-          </a:lnRef>
-          <a:fillRef idx="1">
-            <a:schemeClr val="accent1"/>
-          </a:fillRef>
-          <a:effectRef idx="0">
-            <a:schemeClr val="accent1"/>
-          </a:effectRef>
-          <a:fontRef idx="minor">
-            <a:schemeClr val="lt1"/>
-          </a:fontRef>
-        </p:style>
-        <p:txBody>
-          <a:bodyPr rtlCol="0" anchor="ctr"/>
-          <a:p>
-            <a:pPr algn="ctr"/>
-            <a:r>
-              <a:rPr lang="zh-CN" sz="1200">
-                <a:latin typeface="+mn-ea"/>
-                <a:cs typeface="+mn-ea"/>
-                <a:sym typeface="+mn-ea"/>
-              </a:rPr>
-              <a:t>正则查找</a:t>
-            </a:r>
-            <a:endParaRPr lang="zh-CN" sz="1200">
-              <a:solidFill>
-                <a:schemeClr val="bg1"/>
-              </a:solidFill>
-              <a:latin typeface="+mn-ea"/>
-              <a:cs typeface="+mn-ea"/>
-              <a:sym typeface="+mn-ea"/>
-            </a:endParaRPr>
-          </a:p>
-        </p:txBody>
-      </p:sp>
-      <p:sp>
-        <p:nvSpPr>
-          <p:cNvPr id="16" name="矩形 15"/>
-          <p:cNvSpPr/>
-          <p:nvPr/>
-        </p:nvSpPr>
-        <p:spPr>
-          <a:xfrm>
-            <a:off x="118110" y="5544185"/>
-            <a:ext cx="1694180" cy="543560"/>
-          </a:xfrm>
-          <a:prstGeom prst="rect">
-            <a:avLst/>
-          </a:prstGeom>
-          <a:solidFill>
-            <a:srgbClr val="F59909"/>
-          </a:solidFill>
-          <a:ln>
-            <a:solidFill>
-              <a:schemeClr val="bg1"/>
-            </a:solidFill>
-          </a:ln>
-        </p:spPr>
-        <p:style>
-          <a:lnRef idx="2">
-            <a:schemeClr val="accent1">
-              <a:shade val="50000"/>
-            </a:schemeClr>
-          </a:lnRef>
-          <a:fillRef idx="1">
-            <a:schemeClr val="accent1"/>
-          </a:fillRef>
-          <a:effectRef idx="0">
-            <a:schemeClr val="accent1"/>
-          </a:effectRef>
-          <a:fontRef idx="minor">
-            <a:schemeClr val="lt1"/>
-          </a:fontRef>
-        </p:style>
-        <p:txBody>
-          <a:bodyPr rtlCol="0" anchor="ctr"/>
-          <a:p>
-            <a:pPr algn="ctr"/>
-            <a:r>
-              <a:rPr lang="zh-CN" altLang="en-US" sz="1400">
-                <a:latin typeface="+mn-ea"/>
-                <a:cs typeface="+mn-ea"/>
-                <a:sym typeface="+mn-ea"/>
-              </a:rPr>
-              <a:t>java.util.regex 包</a:t>
-            </a:r>
-            <a:endParaRPr lang="en-US" altLang="zh-CN" sz="1400">
-              <a:solidFill>
-                <a:schemeClr val="bg1"/>
-              </a:solidFill>
-              <a:latin typeface="+mn-ea"/>
-              <a:cs typeface="+mn-ea"/>
-              <a:sym typeface="+mn-ea"/>
-            </a:endParaRPr>
-          </a:p>
-        </p:txBody>
-      </p:sp>
-      <p:sp>
-        <p:nvSpPr>
-          <p:cNvPr id="17" name="右箭头 16"/>
-          <p:cNvSpPr/>
-          <p:nvPr/>
-        </p:nvSpPr>
-        <p:spPr>
-          <a:xfrm>
-            <a:off x="1906905" y="5687695"/>
-            <a:ext cx="473075" cy="282575"/>
-          </a:xfrm>
-          <a:prstGeom prst="rightArrow">
-            <a:avLst/>
-          </a:prstGeom>
-          <a:solidFill>
-            <a:srgbClr val="F59909"/>
-          </a:solidFill>
-          <a:ln>
-            <a:noFill/>
-          </a:ln>
-        </p:spPr>
-        <p:style>
-          <a:lnRef idx="2">
-            <a:schemeClr val="accent1">
-              <a:shade val="50000"/>
-            </a:schemeClr>
-          </a:lnRef>
-          <a:fillRef idx="1">
-            <a:schemeClr val="accent1"/>
-          </a:fillRef>
-          <a:effectRef idx="0">
-            <a:schemeClr val="accent1"/>
-          </a:effectRef>
-          <a:fontRef idx="minor">
-            <a:schemeClr val="lt1"/>
-          </a:fontRef>
-        </p:style>
-        <p:txBody>
-          <a:bodyPr rtlCol="0" anchor="ctr"/>
-          <a:p>
-            <a:pPr algn="ctr"/>
-            <a:endParaRPr lang="zh-CN" altLang="en-US"/>
-          </a:p>
-        </p:txBody>
-      </p:sp>
-    </p:spTree>
-    <p:custDataLst>
-      <p:tags r:id="rId2"/>
-    </p:custDataLst>
-  </p:cSld>
-  <p:clrMapOvr>
-    <a:masterClrMapping/>
-  </p:clrMapOvr>
-</p:sld>
-</file>
-
-<file path=ppt/slides/slide13.xml><?xml version="1.0" encoding="utf-8"?>
-<p:sld xmlns:a="http://schemas.openxmlformats.org/drawingml/2006/main" xmlns:r="http://schemas.openxmlformats.org/officeDocument/2006/relationships" xmlns:p="http://schemas.openxmlformats.org/presentationml/2006/main">
-  <p:cSld>
-    <p:bg>
-      <p:bgPr>
-        <a:blipFill rotWithShape="1">
-          <a:blip r:embed="rId1"/>
-          <a:stretch>
-            <a:fillRect/>
-          </a:stretch>
-        </a:blipFill>
-        <a:effectLst/>
-      </p:bgPr>
-    </p:bg>
-    <p:spTree>
-      <p:nvGrpSpPr>
-        <p:cNvPr id="1" name=""/>
-        <p:cNvGrpSpPr/>
-        <p:nvPr/>
-      </p:nvGrpSpPr>
-      <p:grpSpPr/>
       <p:sp>
         <p:nvSpPr>
           <p:cNvPr id="4" name="矩形 3"/>
@@ -7806,6 +6627,24 @@
           <a:p>
             <a:pPr algn="l"/>
             <a:r>
+              <a:rPr lang="en-US" altLang="zh-CN" sz="1200">
+                <a:solidFill>
+                  <a:schemeClr val="tx1"/>
+                </a:solidFill>
+                <a:sym typeface="+mn-ea"/>
+              </a:rPr>
+              <a:t>        // String str = "############linkknown@163.com############";</a:t>
+            </a:r>
+            <a:endParaRPr lang="en-US" altLang="zh-CN" sz="1200">
+              <a:solidFill>
+                <a:schemeClr val="tx1"/>
+              </a:solidFill>
+              <a:sym typeface="+mn-ea"/>
+            </a:endParaRPr>
+          </a:p>
+          <a:p>
+            <a:pPr algn="l"/>
+            <a:r>
               <a:rPr lang="zh-CN" altLang="en-US" sz="1200">
                 <a:solidFill>
                   <a:schemeClr val="tx1"/>
@@ -7866,7 +6705,25 @@
                 </a:solidFill>
                 <a:sym typeface="+mn-ea"/>
               </a:rPr>
-              <a:t>        System.out.println(String.format("%s 是否是一个有效的邮箱：%b", str, str.matches(regex)));</a:t>
+              <a:t>        System.out.println(String.format("%s 是否是一个有效的邮箱：%b", str, str.</a:t>
+            </a:r>
+            <a:r>
+              <a:rPr lang="zh-CN" altLang="en-US" sz="1200" b="1">
+                <a:solidFill>
+                  <a:srgbClr val="FF0000"/>
+                </a:solidFill>
+                <a:sym typeface="+mn-ea"/>
+              </a:rPr>
+              <a:t>matches</a:t>
+            </a:r>
+            <a:r>
+              <a:rPr lang="zh-CN" altLang="en-US" sz="1200">
+                <a:solidFill>
+                  <a:schemeClr val="tx1"/>
+                </a:solidFill>
+                <a:sym typeface="+mn-ea"/>
+              </a:rPr>
+              <a:t>(regex)));</a:t>
             </a:r>
             <a:endParaRPr lang="zh-CN" altLang="en-US" sz="1200">
               <a:solidFill>
@@ -7939,7 +6796,7 @@
         </p:nvSpPr>
         <p:spPr>
           <a:xfrm>
-            <a:off x="4746625" y="2247265"/>
+            <a:off x="4838700" y="1217930"/>
             <a:ext cx="2023110" cy="456565"/>
           </a:xfrm>
           <a:prstGeom prst="rect">
@@ -8194,6 +7051,24 @@
                 </a:solidFill>
                 <a:sym typeface="+mn-ea"/>
               </a:rPr>
+              <a:t>        // String str = "############linkknown@163.com############";</a:t>
+            </a:r>
+            <a:endParaRPr lang="zh-CN" altLang="en-US" sz="1200">
+              <a:solidFill>
+                <a:schemeClr val="tx1"/>
+              </a:solidFill>
+              <a:sym typeface="+mn-ea"/>
+            </a:endParaRPr>
+          </a:p>
+          <a:p>
+            <a:pPr algn="l"/>
+            <a:r>
+              <a:rPr lang="zh-CN" altLang="en-US" sz="1200">
+                <a:solidFill>
+                  <a:schemeClr val="tx1"/>
+                </a:solidFill>
+                <a:sym typeface="+mn-ea"/>
+              </a:rPr>
               <a:t>        String str2 = "389093982@qq.com";</a:t>
             </a:r>
             <a:endParaRPr lang="zh-CN" altLang="en-US" sz="1200">
@@ -8213,24 +7088,6 @@
                 <a:sym typeface="+mn-ea"/>
               </a:rPr>
               <a:t>        String str3 = "389093982";</a:t>
-            </a:r>
-            <a:endParaRPr lang="zh-CN" altLang="en-US" sz="1200">
-              <a:solidFill>
-                <a:schemeClr val="tx1"/>
-              </a:solidFill>
-              <a:sym typeface="+mn-ea"/>
-            </a:endParaRPr>
-          </a:p>
-          <a:p>
-            <a:pPr algn="l"/>
-            <a:r>
-              <a:rPr lang="zh-CN" altLang="en-US" sz="1200">
-                <a:solidFill>
-                  <a:schemeClr val="tx1"/>
-                </a:solidFill>
-                <a:sym typeface="+mn-ea"/>
-              </a:rPr>
-              <a:t>        </a:t>
             </a:r>
             <a:endParaRPr lang="zh-CN" altLang="en-US" sz="1200">
               <a:solidFill>
@@ -8393,7 +7250,7 @@
 </p:sld>
 </file>
 
-<file path=ppt/slides/slide14.xml><?xml version="1.0" encoding="utf-8"?>
+<file path=ppt/slides/slide11.xml><?xml version="1.0" encoding="utf-8"?>
 <p:sld xmlns:a="http://schemas.openxmlformats.org/drawingml/2006/main" xmlns:r="http://schemas.openxmlformats.org/officeDocument/2006/relationships" xmlns:p="http://schemas.openxmlformats.org/presentationml/2006/main">
   <p:cSld>
     <p:bg>
@@ -8423,7 +7280,7 @@
         <p:spPr>
           <a:xfrm>
             <a:off x="69215" y="818515"/>
-            <a:ext cx="4123055" cy="2623185"/>
+            <a:ext cx="4123055" cy="2886710"/>
           </a:xfrm>
           <a:prstGeom prst="rect">
             <a:avLst/>
@@ -8619,6 +7476,15 @@
           </a:p>
           <a:p>
             <a:pPr algn="l"/>
+            <a:endParaRPr lang="zh-CN" altLang="en-US" sz="1200">
+              <a:solidFill>
+                <a:schemeClr val="tx1"/>
+              </a:solidFill>
+              <a:sym typeface="+mn-ea"/>
+            </a:endParaRPr>
+          </a:p>
+          <a:p>
+            <a:pPr algn="l"/>
             <a:r>
               <a:rPr lang="zh-CN" altLang="en-US" sz="1200">
                 <a:solidFill>
@@ -8717,7 +7583,7 @@
         </p:nvSpPr>
         <p:spPr>
           <a:xfrm>
-            <a:off x="2169160" y="3512820"/>
+            <a:off x="2169160" y="3776980"/>
             <a:ext cx="2023110" cy="456565"/>
           </a:xfrm>
           <a:prstGeom prst="rect">
@@ -8980,7 +7846,7 @@
                 </a:solidFill>
                 <a:sym typeface="+mn-ea"/>
               </a:rPr>
-              <a:t>        System.out.println("-10".matches("^-?[1-9][0-9]*$"));</a:t>
+              <a:t>        System.out.println("-11".matches("^-?[1-9][0-9]*$"));</a:t>
             </a:r>
             <a:endParaRPr lang="zh-CN" altLang="en-US" sz="1200">
               <a:solidFill>
@@ -9287,7 +8153,7 @@
 </p:sld>
 </file>
 
-<file path=ppt/slides/slide15.xml><?xml version="1.0" encoding="utf-8"?>
+<file path=ppt/slides/slide12.xml><?xml version="1.0" encoding="utf-8"?>
 <p:sld xmlns:a="http://schemas.openxmlformats.org/drawingml/2006/main" xmlns:r="http://schemas.openxmlformats.org/officeDocument/2006/relationships" xmlns:p="http://schemas.openxmlformats.org/presentationml/2006/main">
   <p:cSld>
     <p:bg>
@@ -9520,7 +8386,25 @@
                 </a:solidFill>
                 <a:sym typeface="+mn-ea"/>
               </a:rPr>
-              <a:t>        System.out.println(Arrays.toString("1@2#3456@7#7#89".split("[@#]")));</a:t>
+              <a:t>        System.out.println(Arrays.toString("1@2#3456@7#7#89".</a:t>
+            </a:r>
+            <a:r>
+              <a:rPr lang="zh-CN" altLang="en-US" sz="1200" b="1">
+                <a:solidFill>
+                  <a:srgbClr val="FF0000"/>
+                </a:solidFill>
+                <a:sym typeface="+mn-ea"/>
+              </a:rPr>
+              <a:t>split</a:t>
+            </a:r>
+            <a:r>
+              <a:rPr lang="zh-CN" altLang="en-US" sz="1200">
+                <a:solidFill>
+                  <a:schemeClr val="tx1"/>
+                </a:solidFill>
+                <a:sym typeface="+mn-ea"/>
+              </a:rPr>
+              <a:t>("[@#]")));</a:t>
             </a:r>
             <a:endParaRPr lang="zh-CN" altLang="en-US" sz="1200">
               <a:solidFill>
@@ -10129,7 +9013,7 @@
 </p:sld>
 </file>
 
-<file path=ppt/slides/slide16.xml><?xml version="1.0" encoding="utf-8"?>
+<file path=ppt/slides/slide13.xml><?xml version="1.0" encoding="utf-8"?>
 <p:sld xmlns:a="http://schemas.openxmlformats.org/drawingml/2006/main" xmlns:r="http://schemas.openxmlformats.org/officeDocument/2006/relationships" xmlns:p="http://schemas.openxmlformats.org/presentationml/2006/main">
   <p:cSld>
     <p:bg>
@@ -10326,7 +9210,25 @@
                 </a:solidFill>
                 <a:sym typeface="+mn-ea"/>
               </a:rPr>
-              <a:t>        String replaceStr = str.replaceAll(regex, "???");</a:t>
+              <a:t>        String replaceStr = str.</a:t>
+            </a:r>
+            <a:r>
+              <a:rPr lang="zh-CN" altLang="en-US" sz="1200" b="1">
+                <a:solidFill>
+                  <a:srgbClr val="FF0000"/>
+                </a:solidFill>
+                <a:sym typeface="+mn-ea"/>
+              </a:rPr>
+              <a:t>replaceAll</a:t>
+            </a:r>
+            <a:r>
+              <a:rPr lang="zh-CN" altLang="en-US" sz="1200">
+                <a:solidFill>
+                  <a:schemeClr val="tx1"/>
+                </a:solidFill>
+                <a:sym typeface="+mn-ea"/>
+              </a:rPr>
+              <a:t>(regex, "???");</a:t>
             </a:r>
             <a:endParaRPr lang="zh-CN" altLang="en-US" sz="1200">
               <a:solidFill>
@@ -10604,7 +9506,7 @@
 </p:sld>
 </file>
 
-<file path=ppt/slides/slide17.xml><?xml version="1.0" encoding="utf-8"?>
+<file path=ppt/slides/slide14.xml><?xml version="1.0" encoding="utf-8"?>
 <p:sld xmlns:a="http://schemas.openxmlformats.org/drawingml/2006/main" xmlns:r="http://schemas.openxmlformats.org/officeDocument/2006/relationships" xmlns:p="http://schemas.openxmlformats.org/presentationml/2006/main">
   <p:cSld>
     <p:bg>
@@ -11439,7 +10341,7 @@
 </p:sld>
 </file>
 
-<file path=ppt/slides/slide18.xml><?xml version="1.0" encoding="utf-8"?>
+<file path=ppt/slides/slide15.xml><?xml version="1.0" encoding="utf-8"?>
 <p:sld xmlns:a="http://schemas.openxmlformats.org/drawingml/2006/main" xmlns:r="http://schemas.openxmlformats.org/officeDocument/2006/relationships" xmlns:p="http://schemas.openxmlformats.org/presentationml/2006/main">
   <p:cSld>
     <p:bg>
@@ -12029,7 +10931,26 @@
                 <a:ea typeface="宋体" panose="02010600030101010101" pitchFamily="2" charset="-122"/>
                 <a:cs typeface="宋体" panose="02010600030101010101" pitchFamily="2" charset="-122"/>
               </a:rPr>
-              <a:t>"."点儿，在正则表达式中表示任意一个字符。	\.则就是.本身</a:t>
+              <a:t>"."点儿，在正则表达式中表示</a:t>
+            </a:r>
+            <a:r>
+              <a:rPr lang="zh-CN" altLang="en-US" sz="1600" b="1">
+                <a:solidFill>
+                  <a:srgbClr val="FF0000"/>
+                </a:solidFill>
+                <a:latin typeface="宋体" panose="02010600030101010101" pitchFamily="2" charset="-122"/>
+                <a:ea typeface="宋体" panose="02010600030101010101" pitchFamily="2" charset="-122"/>
+                <a:cs typeface="宋体" panose="02010600030101010101" pitchFamily="2" charset="-122"/>
+              </a:rPr>
+              <a:t>任意一个字符</a:t>
+            </a:r>
+            <a:r>
+              <a:rPr lang="zh-CN" altLang="en-US" sz="1600">
+                <a:latin typeface="宋体" panose="02010600030101010101" pitchFamily="2" charset="-122"/>
+                <a:ea typeface="宋体" panose="02010600030101010101" pitchFamily="2" charset="-122"/>
+                <a:cs typeface="宋体" panose="02010600030101010101" pitchFamily="2" charset="-122"/>
+              </a:rPr>
+              <a:t>。	\.则就是.本身</a:t>
             </a:r>
             <a:endParaRPr lang="zh-CN" altLang="en-US" sz="1600">
               <a:latin typeface="宋体" panose="02010600030101010101" pitchFamily="2" charset="-122"/>
@@ -12172,7 +11093,26 @@
                 <a:ea typeface="宋体" panose="02010600030101010101" pitchFamily="2" charset="-122"/>
                 <a:cs typeface="宋体" panose="02010600030101010101" pitchFamily="2" charset="-122"/>
               </a:rPr>
-              <a:t>\D：表示任意一个非数字字符</a:t>
+              <a:t>\D：表示任意一个</a:t>
+            </a:r>
+            <a:r>
+              <a:rPr lang="zh-CN" altLang="en-US" sz="1600" b="1">
+                <a:solidFill>
+                  <a:srgbClr val="FF0000"/>
+                </a:solidFill>
+                <a:latin typeface="宋体" panose="02010600030101010101" pitchFamily="2" charset="-122"/>
+                <a:ea typeface="宋体" panose="02010600030101010101" pitchFamily="2" charset="-122"/>
+                <a:cs typeface="宋体" panose="02010600030101010101" pitchFamily="2" charset="-122"/>
+              </a:rPr>
+              <a:t>非</a:t>
+            </a:r>
+            <a:r>
+              <a:rPr lang="zh-CN" altLang="en-US" sz="1600">
+                <a:latin typeface="宋体" panose="02010600030101010101" pitchFamily="2" charset="-122"/>
+                <a:ea typeface="宋体" panose="02010600030101010101" pitchFamily="2" charset="-122"/>
+                <a:cs typeface="宋体" panose="02010600030101010101" pitchFamily="2" charset="-122"/>
+              </a:rPr>
+              <a:t>数字字符</a:t>
             </a:r>
             <a:endParaRPr lang="zh-CN" altLang="en-US" sz="1600">
               <a:latin typeface="宋体" panose="02010600030101010101" pitchFamily="2" charset="-122"/>
@@ -12194,7 +11134,26 @@
                 <a:ea typeface="宋体" panose="02010600030101010101" pitchFamily="2" charset="-122"/>
                 <a:cs typeface="宋体" panose="02010600030101010101" pitchFamily="2" charset="-122"/>
               </a:rPr>
-              <a:t>\W：表示任意一个非单词字符</a:t>
+              <a:t>\W：表示任意一个</a:t>
+            </a:r>
+            <a:r>
+              <a:rPr lang="zh-CN" altLang="en-US" sz="1600" b="1">
+                <a:solidFill>
+                  <a:srgbClr val="FF0000"/>
+                </a:solidFill>
+                <a:latin typeface="宋体" panose="02010600030101010101" pitchFamily="2" charset="-122"/>
+                <a:ea typeface="宋体" panose="02010600030101010101" pitchFamily="2" charset="-122"/>
+                <a:cs typeface="宋体" panose="02010600030101010101" pitchFamily="2" charset="-122"/>
+              </a:rPr>
+              <a:t>非</a:t>
+            </a:r>
+            <a:r>
+              <a:rPr lang="zh-CN" altLang="en-US" sz="1600">
+                <a:latin typeface="宋体" panose="02010600030101010101" pitchFamily="2" charset="-122"/>
+                <a:ea typeface="宋体" panose="02010600030101010101" pitchFamily="2" charset="-122"/>
+                <a:cs typeface="宋体" panose="02010600030101010101" pitchFamily="2" charset="-122"/>
+              </a:rPr>
+              <a:t>单词字符</a:t>
             </a:r>
             <a:endParaRPr lang="zh-CN" altLang="en-US" sz="1600">
               <a:latin typeface="宋体" panose="02010600030101010101" pitchFamily="2" charset="-122"/>
@@ -12216,7 +11175,26 @@
                 <a:ea typeface="宋体" panose="02010600030101010101" pitchFamily="2" charset="-122"/>
                 <a:cs typeface="宋体" panose="02010600030101010101" pitchFamily="2" charset="-122"/>
               </a:rPr>
-              <a:t>\S：表示任意一个非空白字符</a:t>
+              <a:t>\S：表示任意一个</a:t>
+            </a:r>
+            <a:r>
+              <a:rPr lang="zh-CN" altLang="en-US" sz="1600" b="1">
+                <a:solidFill>
+                  <a:srgbClr val="FF0000"/>
+                </a:solidFill>
+                <a:latin typeface="宋体" panose="02010600030101010101" pitchFamily="2" charset="-122"/>
+                <a:ea typeface="宋体" panose="02010600030101010101" pitchFamily="2" charset="-122"/>
+                <a:cs typeface="宋体" panose="02010600030101010101" pitchFamily="2" charset="-122"/>
+              </a:rPr>
+              <a:t>非</a:t>
+            </a:r>
+            <a:r>
+              <a:rPr lang="zh-CN" altLang="en-US" sz="1600">
+                <a:latin typeface="宋体" panose="02010600030101010101" pitchFamily="2" charset="-122"/>
+                <a:ea typeface="宋体" panose="02010600030101010101" pitchFamily="2" charset="-122"/>
+                <a:cs typeface="宋体" panose="02010600030101010101" pitchFamily="2" charset="-122"/>
+              </a:rPr>
+              <a:t>空白字符</a:t>
             </a:r>
             <a:endParaRPr lang="zh-CN" altLang="en-US" sz="1600">
               <a:latin typeface="宋体" panose="02010600030101010101" pitchFamily="2" charset="-122"/>
@@ -12582,7 +11560,26 @@
                 <a:ea typeface="宋体" panose="02010600030101010101" pitchFamily="2" charset="-122"/>
                 <a:cs typeface="宋体" panose="02010600030101010101" pitchFamily="2" charset="-122"/>
               </a:rPr>
-              <a:t>[^abc]:表示除了a,b,c的任意一个字符，当我们需要描述所有小写字母时，我们可以使用范围 [a-z]，表示该字符可以是任意一个小写字母。</a:t>
+              <a:t>[</a:t>
+            </a:r>
+            <a:r>
+              <a:rPr lang="zh-CN" altLang="en-US" sz="1600" b="1">
+                <a:solidFill>
+                  <a:srgbClr val="FF0000"/>
+                </a:solidFill>
+                <a:latin typeface="宋体" panose="02010600030101010101" pitchFamily="2" charset="-122"/>
+                <a:ea typeface="宋体" panose="02010600030101010101" pitchFamily="2" charset="-122"/>
+                <a:cs typeface="宋体" panose="02010600030101010101" pitchFamily="2" charset="-122"/>
+              </a:rPr>
+              <a:t>^</a:t>
+            </a:r>
+            <a:r>
+              <a:rPr lang="zh-CN" altLang="en-US" sz="1600">
+                <a:latin typeface="宋体" panose="02010600030101010101" pitchFamily="2" charset="-122"/>
+                <a:ea typeface="宋体" panose="02010600030101010101" pitchFamily="2" charset="-122"/>
+                <a:cs typeface="宋体" panose="02010600030101010101" pitchFamily="2" charset="-122"/>
+              </a:rPr>
+              <a:t>abc]:表示除了a,b,c的任意一个字符，当我们需要描述所有小写字母时，我们可以使用范围 [a-z]，表示该字符可以是任意一个小写字母。</a:t>
             </a:r>
             <a:endParaRPr lang="zh-CN" altLang="en-US" sz="1600">
               <a:latin typeface="宋体" panose="02010600030101010101" pitchFamily="2" charset="-122"/>
@@ -13135,14 +12132,20 @@
           </a:p>
           <a:p>
             <a:r>
-              <a:rPr lang="zh-CN" altLang="en-US" sz="1600">
+              <a:rPr lang="zh-CN" altLang="en-US" sz="1600" b="1">
+                <a:solidFill>
+                  <a:srgbClr val="FF0000"/>
+                </a:solidFill>
                 <a:latin typeface="宋体" panose="02010600030101010101" pitchFamily="2" charset="-122"/>
                 <a:ea typeface="宋体" panose="02010600030101010101" pitchFamily="2" charset="-122"/>
                 <a:cs typeface="宋体" panose="02010600030101010101" pitchFamily="2" charset="-122"/>
               </a:rPr>
               <a:t>{}表示内容出现的次数</a:t>
             </a:r>
-            <a:endParaRPr lang="zh-CN" altLang="en-US" sz="1600">
+            <a:endParaRPr lang="zh-CN" altLang="en-US" sz="1600" b="1">
+              <a:solidFill>
+                <a:srgbClr val="FF0000"/>
+              </a:solidFill>
               <a:latin typeface="宋体" panose="02010600030101010101" pitchFamily="2" charset="-122"/>
               <a:ea typeface="宋体" panose="02010600030101010101" pitchFamily="2" charset="-122"/>
               <a:cs typeface="宋体" panose="02010600030101010101" pitchFamily="2" charset="-122"/>
@@ -13279,7 +12282,7 @@
         <p:spPr>
           <a:xfrm>
             <a:off x="4692015" y="909955"/>
-            <a:ext cx="6903085" cy="3046095"/>
+            <a:ext cx="6903085" cy="3784600"/>
           </a:xfrm>
           <a:prstGeom prst="rect">
             <a:avLst/>
@@ -13397,7 +12400,64 @@
                 <a:ea typeface="宋体" panose="02010600030101010101" pitchFamily="2" charset="-122"/>
                 <a:cs typeface="宋体" panose="02010600030101010101" pitchFamily="2" charset="-122"/>
               </a:rPr>
-              <a:t>[123]{5}:adsdf12321dfhs匹配部分内容</a:t>
+              <a:t>部分匹配举例：</a:t>
+            </a:r>
+            <a:endParaRPr lang="zh-CN" altLang="en-US" sz="1600">
+              <a:latin typeface="宋体" panose="02010600030101010101" pitchFamily="2" charset="-122"/>
+              <a:ea typeface="宋体" panose="02010600030101010101" pitchFamily="2" charset="-122"/>
+              <a:cs typeface="宋体" panose="02010600030101010101" pitchFamily="2" charset="-122"/>
+            </a:endParaRPr>
+          </a:p>
+          <a:p>
+            <a:r>
+              <a:rPr lang="zh-CN" altLang="en-US" sz="1600">
+                <a:latin typeface="宋体" panose="02010600030101010101" pitchFamily="2" charset="-122"/>
+                <a:ea typeface="宋体" panose="02010600030101010101" pitchFamily="2" charset="-122"/>
+                <a:cs typeface="宋体" panose="02010600030101010101" pitchFamily="2" charset="-122"/>
+              </a:rPr>
+              <a:t>[123]{5}:adsdf</a:t>
+            </a:r>
+            <a:r>
+              <a:rPr lang="zh-CN" altLang="en-US" sz="1600" b="1">
+                <a:solidFill>
+                  <a:srgbClr val="FF0000"/>
+                </a:solidFill>
+                <a:latin typeface="宋体" panose="02010600030101010101" pitchFamily="2" charset="-122"/>
+                <a:ea typeface="宋体" panose="02010600030101010101" pitchFamily="2" charset="-122"/>
+                <a:cs typeface="宋体" panose="02010600030101010101" pitchFamily="2" charset="-122"/>
+              </a:rPr>
+              <a:t>12321</a:t>
+            </a:r>
+            <a:r>
+              <a:rPr lang="zh-CN" altLang="en-US" sz="1600">
+                <a:latin typeface="宋体" panose="02010600030101010101" pitchFamily="2" charset="-122"/>
+                <a:ea typeface="宋体" panose="02010600030101010101" pitchFamily="2" charset="-122"/>
+                <a:cs typeface="宋体" panose="02010600030101010101" pitchFamily="2" charset="-122"/>
+              </a:rPr>
+              <a:t>dfhs匹配部分内容</a:t>
+            </a:r>
+            <a:endParaRPr lang="zh-CN" altLang="en-US" sz="1600">
+              <a:latin typeface="宋体" panose="02010600030101010101" pitchFamily="2" charset="-122"/>
+              <a:ea typeface="宋体" panose="02010600030101010101" pitchFamily="2" charset="-122"/>
+              <a:cs typeface="宋体" panose="02010600030101010101" pitchFamily="2" charset="-122"/>
+            </a:endParaRPr>
+          </a:p>
+          <a:p>
+            <a:endParaRPr lang="zh-CN" altLang="en-US" sz="1600">
+              <a:latin typeface="宋体" panose="02010600030101010101" pitchFamily="2" charset="-122"/>
+              <a:ea typeface="宋体" panose="02010600030101010101" pitchFamily="2" charset="-122"/>
+              <a:cs typeface="宋体" panose="02010600030101010101" pitchFamily="2" charset="-122"/>
+            </a:endParaRPr>
+          </a:p>
+          <a:p>
+            <a:r>
+              <a:rPr lang="zh-CN" altLang="en-US" sz="1600">
+                <a:latin typeface="宋体" panose="02010600030101010101" pitchFamily="2" charset="-122"/>
+                <a:ea typeface="宋体" panose="02010600030101010101" pitchFamily="2" charset="-122"/>
+                <a:cs typeface="宋体" panose="02010600030101010101" pitchFamily="2" charset="-122"/>
+                <a:sym typeface="+mn-ea"/>
+              </a:rPr>
+              <a:t>全匹配举例：</a:t>
             </a:r>
             <a:endParaRPr lang="zh-CN" altLang="en-US" sz="1600">
               <a:latin typeface="宋体" panose="02010600030101010101" pitchFamily="2" charset="-122"/>
@@ -13593,33 +12653,73 @@
         <p:nvPr/>
       </p:nvGrpSpPr>
       <p:grpSpPr/>
-      <p:pic>
-        <p:nvPicPr>
-          <p:cNvPr id="3" name="图片 2"/>
-          <p:cNvPicPr>
-            <a:picLocks noChangeAspect="1"/>
-          </p:cNvPicPr>
+      <p:sp>
+        <p:nvSpPr>
+          <p:cNvPr id="4" name="圆角矩形 3"/>
+          <p:cNvSpPr/>
           <p:nvPr/>
-        </p:nvPicPr>
-        <p:blipFill>
-          <a:blip r:embed="rId2"/>
-          <a:stretch>
-            <a:fillRect/>
-          </a:stretch>
-        </p:blipFill>
+        </p:nvSpPr>
         <p:spPr>
           <a:xfrm>
-            <a:off x="1417320" y="681990"/>
-            <a:ext cx="9357360" cy="5494020"/>
+            <a:off x="3453765" y="2649855"/>
+            <a:ext cx="5045710" cy="1202055"/>
           </a:xfrm>
-          <a:prstGeom prst="rect">
+          <a:prstGeom prst="roundRect">
             <a:avLst/>
           </a:prstGeom>
+          <a:solidFill>
+            <a:srgbClr val="F59909"/>
+          </a:solidFill>
+          <a:ln>
+            <a:solidFill>
+              <a:schemeClr val="bg1"/>
+            </a:solidFill>
+          </a:ln>
         </p:spPr>
-      </p:pic>
+        <p:style>
+          <a:lnRef idx="2">
+            <a:schemeClr val="accent1">
+              <a:shade val="50000"/>
+            </a:schemeClr>
+          </a:lnRef>
+          <a:fillRef idx="1">
+            <a:schemeClr val="accent1"/>
+          </a:fillRef>
+          <a:effectRef idx="0">
+            <a:schemeClr val="accent1"/>
+          </a:effectRef>
+          <a:fontRef idx="minor">
+            <a:schemeClr val="lt1"/>
+          </a:fontRef>
+        </p:style>
+        <p:txBody>
+          <a:bodyPr rtlCol="0" anchor="ctr"/>
+          <a:p>
+            <a:pPr algn="ctr"/>
+            <a:r>
+              <a:rPr lang="zh-CN" altLang="en-US" sz="3200">
+                <a:sym typeface="+mn-ea"/>
+              </a:rPr>
+              <a:t>正则 </a:t>
+            </a:r>
+            <a:r>
+              <a:rPr lang="en-US" altLang="zh-CN" sz="3200">
+                <a:sym typeface="+mn-ea"/>
+              </a:rPr>
+              <a:t>API</a:t>
+            </a:r>
+            <a:endParaRPr lang="zh-CN" altLang="en-US" sz="3200">
+              <a:latin typeface="+mj-ea"/>
+              <a:ea typeface="+mj-ea"/>
+              <a:cs typeface="+mj-ea"/>
+              <a:sym typeface="+mn-ea"/>
+            </a:endParaRPr>
+          </a:p>
+        </p:txBody>
+      </p:sp>
     </p:spTree>
     <p:custDataLst>
-      <p:tags r:id="rId3"/>
+      <p:tags r:id="rId2"/>
     </p:custDataLst>
   </p:cSld>
   <p:clrMapOvr>
@@ -13649,33 +12749,977 @@
         <p:nvPr/>
       </p:nvGrpSpPr>
       <p:grpSpPr/>
-      <p:pic>
-        <p:nvPicPr>
-          <p:cNvPr id="2" name="图片 1"/>
-          <p:cNvPicPr>
-            <a:picLocks noChangeAspect="1"/>
-          </p:cNvPicPr>
+      <p:sp>
+        <p:nvSpPr>
+          <p:cNvPr id="19" name="矩形 18"/>
+          <p:cNvSpPr/>
           <p:nvPr/>
-        </p:nvPicPr>
-        <p:blipFill>
-          <a:blip r:embed="rId2"/>
-          <a:stretch>
-            <a:fillRect/>
-          </a:stretch>
-        </p:blipFill>
+        </p:nvSpPr>
         <p:spPr>
           <a:xfrm>
-            <a:off x="1440180" y="495300"/>
-            <a:ext cx="9311640" cy="5867400"/>
+            <a:off x="2437130" y="753745"/>
+            <a:ext cx="9475470" cy="949960"/>
           </a:xfrm>
           <a:prstGeom prst="rect">
             <a:avLst/>
           </a:prstGeom>
+          <a:solidFill>
+            <a:schemeClr val="tx2"/>
+          </a:solidFill>
         </p:spPr>
-      </p:pic>
+        <p:style>
+          <a:lnRef idx="2">
+            <a:schemeClr val="accent1">
+              <a:shade val="50000"/>
+            </a:schemeClr>
+          </a:lnRef>
+          <a:fillRef idx="1">
+            <a:schemeClr val="accent1"/>
+          </a:fillRef>
+          <a:effectRef idx="0">
+            <a:schemeClr val="accent1"/>
+          </a:effectRef>
+          <a:fontRef idx="minor">
+            <a:schemeClr val="lt1"/>
+          </a:fontRef>
+        </p:style>
+        <p:txBody>
+          <a:bodyPr rtlCol="0" anchor="ctr"/>
+          <a:p>
+            <a:pPr algn="l"/>
+            <a:r>
+              <a:rPr lang="zh-CN" altLang="en-US" sz="1200">
+                <a:solidFill>
+                  <a:schemeClr val="tx1"/>
+                </a:solidFill>
+                <a:latin typeface="+mn-ea"/>
+                <a:cs typeface="+mn-ea"/>
+                <a:sym typeface="+mn-ea"/>
+              </a:rPr>
+              <a:t>matches方法</a:t>
+            </a:r>
+            <a:endParaRPr lang="zh-CN" altLang="en-US" sz="1200">
+              <a:solidFill>
+                <a:schemeClr val="tx1"/>
+              </a:solidFill>
+              <a:latin typeface="+mn-ea"/>
+              <a:cs typeface="+mn-ea"/>
+            </a:endParaRPr>
+          </a:p>
+          <a:p>
+            <a:pPr algn="l"/>
+            <a:r>
+              <a:rPr lang="zh-CN" altLang="en-US" sz="1200">
+                <a:solidFill>
+                  <a:schemeClr val="tx1"/>
+                </a:solidFill>
+                <a:latin typeface="+mn-ea"/>
+                <a:cs typeface="+mn-ea"/>
+                <a:sym typeface="+mn-ea"/>
+              </a:rPr>
+              <a:t>matches()方法的参数要求我们传入一个用字符串描述的正则表达式，然后使用该正则表达式描述的字符串格式规则来匹配当前字符串，若满足那么该方法返回true。否则返回false。</a:t>
+            </a:r>
+            <a:endParaRPr lang="zh-CN" altLang="en-US" sz="1200">
+              <a:solidFill>
+                <a:schemeClr val="tx1"/>
+              </a:solidFill>
+              <a:latin typeface="+mn-ea"/>
+              <a:cs typeface="+mn-ea"/>
+              <a:sym typeface="+mn-ea"/>
+            </a:endParaRPr>
+          </a:p>
+        </p:txBody>
+      </p:sp>
+      <p:sp>
+        <p:nvSpPr>
+          <p:cNvPr id="5" name="矩形 4"/>
+          <p:cNvSpPr/>
+          <p:nvPr/>
+        </p:nvSpPr>
+        <p:spPr>
+          <a:xfrm>
+            <a:off x="118110" y="2511425"/>
+            <a:ext cx="1694180" cy="543560"/>
+          </a:xfrm>
+          <a:prstGeom prst="rect">
+            <a:avLst/>
+          </a:prstGeom>
+          <a:solidFill>
+            <a:srgbClr val="F59909"/>
+          </a:solidFill>
+          <a:ln>
+            <a:solidFill>
+              <a:schemeClr val="bg1"/>
+            </a:solidFill>
+          </a:ln>
+        </p:spPr>
+        <p:style>
+          <a:lnRef idx="2">
+            <a:schemeClr val="accent1">
+              <a:shade val="50000"/>
+            </a:schemeClr>
+          </a:lnRef>
+          <a:fillRef idx="1">
+            <a:schemeClr val="accent1"/>
+          </a:fillRef>
+          <a:effectRef idx="0">
+            <a:schemeClr val="accent1"/>
+          </a:effectRef>
+          <a:fontRef idx="minor">
+            <a:schemeClr val="lt1"/>
+          </a:fontRef>
+        </p:style>
+        <p:txBody>
+          <a:bodyPr rtlCol="0" anchor="ctr"/>
+          <a:p>
+            <a:pPr algn="ctr"/>
+            <a:r>
+              <a:rPr lang="en-US" altLang="zh-CN" sz="1400">
+                <a:solidFill>
+                  <a:schemeClr val="bg1"/>
+                </a:solidFill>
+                <a:latin typeface="+mn-ea"/>
+                <a:cs typeface="+mn-ea"/>
+                <a:sym typeface="+mn-ea"/>
+              </a:rPr>
+              <a:t>String </a:t>
+            </a:r>
+            <a:r>
+              <a:rPr lang="zh-CN" altLang="en-US" sz="1400">
+                <a:solidFill>
+                  <a:schemeClr val="bg1"/>
+                </a:solidFill>
+                <a:latin typeface="+mn-ea"/>
+                <a:cs typeface="+mn-ea"/>
+                <a:sym typeface="+mn-ea"/>
+              </a:rPr>
+              <a:t>类相关正则 </a:t>
+            </a:r>
+            <a:r>
+              <a:rPr lang="en-US" altLang="zh-CN" sz="1400">
+                <a:solidFill>
+                  <a:schemeClr val="bg1"/>
+                </a:solidFill>
+                <a:latin typeface="+mn-ea"/>
+                <a:cs typeface="+mn-ea"/>
+                <a:sym typeface="+mn-ea"/>
+              </a:rPr>
+              <a:t>API</a:t>
+            </a:r>
+            <a:endParaRPr lang="en-US" altLang="zh-CN" sz="1400">
+              <a:solidFill>
+                <a:schemeClr val="bg1"/>
+              </a:solidFill>
+              <a:latin typeface="+mn-ea"/>
+              <a:cs typeface="+mn-ea"/>
+              <a:sym typeface="+mn-ea"/>
+            </a:endParaRPr>
+          </a:p>
+        </p:txBody>
+      </p:sp>
+      <p:sp>
+        <p:nvSpPr>
+          <p:cNvPr id="3" name="矩形 2"/>
+          <p:cNvSpPr/>
+          <p:nvPr/>
+        </p:nvSpPr>
+        <p:spPr>
+          <a:xfrm>
+            <a:off x="2456180" y="1886585"/>
+            <a:ext cx="9456420" cy="1003935"/>
+          </a:xfrm>
+          <a:prstGeom prst="rect">
+            <a:avLst/>
+          </a:prstGeom>
+          <a:solidFill>
+            <a:schemeClr val="tx2"/>
+          </a:solidFill>
+        </p:spPr>
+        <p:style>
+          <a:lnRef idx="2">
+            <a:schemeClr val="accent1">
+              <a:shade val="50000"/>
+            </a:schemeClr>
+          </a:lnRef>
+          <a:fillRef idx="1">
+            <a:schemeClr val="accent1"/>
+          </a:fillRef>
+          <a:effectRef idx="0">
+            <a:schemeClr val="accent1"/>
+          </a:effectRef>
+          <a:fontRef idx="minor">
+            <a:schemeClr val="lt1"/>
+          </a:fontRef>
+        </p:style>
+        <p:txBody>
+          <a:bodyPr rtlCol="0" anchor="ctr"/>
+          <a:p>
+            <a:pPr algn="l"/>
+            <a:r>
+              <a:rPr lang="zh-CN" altLang="en-US" sz="1200">
+                <a:solidFill>
+                  <a:schemeClr val="tx1"/>
+                </a:solidFill>
+                <a:latin typeface="+mn-ea"/>
+                <a:cs typeface="+mn-ea"/>
+                <a:sym typeface="+mn-ea"/>
+              </a:rPr>
+              <a:t>split方法</a:t>
+            </a:r>
+            <a:endParaRPr lang="zh-CN" altLang="en-US" sz="1200">
+              <a:solidFill>
+                <a:schemeClr val="tx1"/>
+              </a:solidFill>
+              <a:latin typeface="+mn-ea"/>
+              <a:cs typeface="+mn-ea"/>
+            </a:endParaRPr>
+          </a:p>
+          <a:p>
+            <a:pPr algn="l"/>
+            <a:r>
+              <a:rPr lang="zh-CN" altLang="en-US" sz="1200">
+                <a:solidFill>
+                  <a:schemeClr val="tx1"/>
+                </a:solidFill>
+                <a:latin typeface="+mn-ea"/>
+                <a:cs typeface="+mn-ea"/>
+                <a:sym typeface="+mn-ea"/>
+              </a:rPr>
+              <a:t>String[] split(String regex):参数要求传入一个用字符串描述的正则表达式，然后使用该正则表达式描述的字符串规则来匹配当前字符串，并按照满足的部分将字符串拆分。</a:t>
+            </a:r>
+            <a:endParaRPr lang="zh-CN" altLang="en-US" sz="1200">
+              <a:solidFill>
+                <a:schemeClr val="tx1"/>
+              </a:solidFill>
+              <a:latin typeface="+mn-ea"/>
+              <a:cs typeface="+mn-ea"/>
+              <a:sym typeface="+mn-ea"/>
+            </a:endParaRPr>
+          </a:p>
+        </p:txBody>
+      </p:sp>
+      <p:sp>
+        <p:nvSpPr>
+          <p:cNvPr id="4" name="矩形 3"/>
+          <p:cNvSpPr/>
+          <p:nvPr/>
+        </p:nvSpPr>
+        <p:spPr>
+          <a:xfrm>
+            <a:off x="2437765" y="3055620"/>
+            <a:ext cx="9475470" cy="1631950"/>
+          </a:xfrm>
+          <a:prstGeom prst="rect">
+            <a:avLst/>
+          </a:prstGeom>
+          <a:solidFill>
+            <a:schemeClr val="tx2"/>
+          </a:solidFill>
+        </p:spPr>
+        <p:style>
+          <a:lnRef idx="2">
+            <a:schemeClr val="accent1">
+              <a:shade val="50000"/>
+            </a:schemeClr>
+          </a:lnRef>
+          <a:fillRef idx="1">
+            <a:schemeClr val="accent1"/>
+          </a:fillRef>
+          <a:effectRef idx="0">
+            <a:schemeClr val="accent1"/>
+          </a:effectRef>
+          <a:fontRef idx="minor">
+            <a:schemeClr val="lt1"/>
+          </a:fontRef>
+        </p:style>
+        <p:txBody>
+          <a:bodyPr rtlCol="0" anchor="ctr"/>
+          <a:p>
+            <a:pPr algn="l"/>
+            <a:r>
+              <a:rPr lang="zh-CN" altLang="en-US" sz="1200">
+                <a:solidFill>
+                  <a:schemeClr val="tx1"/>
+                </a:solidFill>
+                <a:latin typeface="+mn-ea"/>
+                <a:cs typeface="+mn-ea"/>
+                <a:sym typeface="+mn-ea"/>
+              </a:rPr>
+              <a:t>replaceAll方法</a:t>
+            </a:r>
+            <a:endParaRPr lang="zh-CN" altLang="en-US" sz="1200">
+              <a:solidFill>
+                <a:schemeClr val="tx1"/>
+              </a:solidFill>
+              <a:latin typeface="+mn-ea"/>
+              <a:cs typeface="+mn-ea"/>
+            </a:endParaRPr>
+          </a:p>
+          <a:p>
+            <a:pPr algn="l"/>
+            <a:r>
+              <a:rPr lang="zh-CN" altLang="en-US" sz="1200">
+                <a:solidFill>
+                  <a:schemeClr val="tx1"/>
+                </a:solidFill>
+                <a:latin typeface="+mn-ea"/>
+                <a:cs typeface="+mn-ea"/>
+                <a:sym typeface="+mn-ea"/>
+              </a:rPr>
+              <a:t>String replaceAll(String regex,String replacement):参数要求传入一个用字符串描述的正则表达式和一个需要替换的字符串，然后使用该正则表达式描述的字符串规则来匹配当前字符串，并将满足的部分替换为需要替换的这个字符串。</a:t>
+            </a:r>
+            <a:endParaRPr lang="zh-CN" altLang="en-US" sz="1200">
+              <a:solidFill>
+                <a:schemeClr val="tx1"/>
+              </a:solidFill>
+              <a:latin typeface="+mn-ea"/>
+              <a:cs typeface="+mn-ea"/>
+            </a:endParaRPr>
+          </a:p>
+          <a:p>
+            <a:pPr algn="l"/>
+            <a:r>
+              <a:rPr lang="zh-CN" altLang="en-US" sz="1200">
+                <a:solidFill>
+                  <a:schemeClr val="tx1"/>
+                </a:solidFill>
+                <a:latin typeface="+mn-ea"/>
+                <a:cs typeface="+mn-ea"/>
+                <a:sym typeface="+mn-ea"/>
+              </a:rPr>
+              <a:t>例如:</a:t>
+            </a:r>
+            <a:endParaRPr lang="zh-CN" altLang="en-US" sz="1200">
+              <a:solidFill>
+                <a:schemeClr val="tx1"/>
+              </a:solidFill>
+              <a:latin typeface="+mn-ea"/>
+              <a:cs typeface="+mn-ea"/>
+            </a:endParaRPr>
+          </a:p>
+          <a:p>
+            <a:pPr algn="l"/>
+            <a:r>
+              <a:rPr lang="zh-CN" altLang="en-US" sz="1200">
+                <a:solidFill>
+                  <a:schemeClr val="tx1"/>
+                </a:solidFill>
+                <a:latin typeface="+mn-ea"/>
+                <a:cs typeface="+mn-ea"/>
+                <a:sym typeface="+mn-ea"/>
+              </a:rPr>
+              <a:t>	String str = "abc123bcd45ef6g7890";</a:t>
+            </a:r>
+            <a:endParaRPr lang="zh-CN" altLang="en-US" sz="1200">
+              <a:solidFill>
+                <a:schemeClr val="tx1"/>
+              </a:solidFill>
+              <a:latin typeface="+mn-ea"/>
+              <a:cs typeface="+mn-ea"/>
+            </a:endParaRPr>
+          </a:p>
+          <a:p>
+            <a:pPr algn="l"/>
+            <a:r>
+              <a:rPr lang="zh-CN" altLang="en-US" sz="1200">
+                <a:solidFill>
+                  <a:schemeClr val="tx1"/>
+                </a:solidFill>
+                <a:latin typeface="+mn-ea"/>
+                <a:cs typeface="+mn-ea"/>
+                <a:sym typeface="+mn-ea"/>
+              </a:rPr>
+              <a:t>	str = str.replaceAll("\\d+", "数字");</a:t>
+            </a:r>
+            <a:endParaRPr lang="zh-CN" altLang="en-US" sz="1200">
+              <a:solidFill>
+                <a:schemeClr val="tx1"/>
+              </a:solidFill>
+              <a:latin typeface="+mn-ea"/>
+              <a:cs typeface="+mn-ea"/>
+            </a:endParaRPr>
+          </a:p>
+          <a:p>
+            <a:pPr algn="l"/>
+            <a:r>
+              <a:rPr lang="zh-CN" altLang="en-US" sz="1200">
+                <a:solidFill>
+                  <a:schemeClr val="tx1"/>
+                </a:solidFill>
+                <a:latin typeface="+mn-ea"/>
+                <a:cs typeface="+mn-ea"/>
+                <a:sym typeface="+mn-ea"/>
+              </a:rPr>
+              <a:t>	System.out.println(str);//abc数字bcd数字ef数字g数字</a:t>
+            </a:r>
+            <a:endParaRPr lang="zh-CN" altLang="en-US" sz="1200">
+              <a:solidFill>
+                <a:schemeClr val="tx1"/>
+              </a:solidFill>
+              <a:latin typeface="+mn-ea"/>
+              <a:cs typeface="+mn-ea"/>
+              <a:sym typeface="+mn-ea"/>
+            </a:endParaRPr>
+          </a:p>
+        </p:txBody>
+      </p:sp>
+      <p:sp>
+        <p:nvSpPr>
+          <p:cNvPr id="10" name="左大括号 9"/>
+          <p:cNvSpPr/>
+          <p:nvPr/>
+        </p:nvSpPr>
+        <p:spPr>
+          <a:xfrm>
+            <a:off x="2001520" y="754380"/>
+            <a:ext cx="317500" cy="3933190"/>
+          </a:xfrm>
+          <a:prstGeom prst="leftBrace">
+            <a:avLst/>
+          </a:prstGeom>
+          <a:ln w="28575">
+            <a:solidFill>
+              <a:srgbClr val="F9680D"/>
+            </a:solidFill>
+          </a:ln>
+        </p:spPr>
+        <p:style>
+          <a:lnRef idx="1">
+            <a:schemeClr val="accent1"/>
+          </a:lnRef>
+          <a:fillRef idx="0">
+            <a:schemeClr val="accent1"/>
+          </a:fillRef>
+          <a:effectRef idx="0">
+            <a:schemeClr val="accent1"/>
+          </a:effectRef>
+          <a:fontRef idx="minor">
+            <a:schemeClr val="tx1"/>
+          </a:fontRef>
+        </p:style>
+        <p:txBody>
+          <a:bodyPr rtlCol="0" anchor="ctr"/>
+          <a:p>
+            <a:pPr algn="ctr"/>
+            <a:endParaRPr lang="zh-CN" altLang="en-US" sz="1200">
+              <a:solidFill>
+                <a:schemeClr val="tx1"/>
+              </a:solidFill>
+              <a:latin typeface="+mn-ea"/>
+            </a:endParaRPr>
+          </a:p>
+        </p:txBody>
+      </p:sp>
+      <p:sp>
+        <p:nvSpPr>
+          <p:cNvPr id="6" name="矩形 5"/>
+          <p:cNvSpPr/>
+          <p:nvPr/>
+        </p:nvSpPr>
+        <p:spPr>
+          <a:xfrm>
+            <a:off x="10191750" y="1649730"/>
+            <a:ext cx="1336040" cy="393700"/>
+          </a:xfrm>
+          <a:prstGeom prst="rect">
+            <a:avLst/>
+          </a:prstGeom>
+          <a:solidFill>
+            <a:schemeClr val="bg1">
+              <a:lumMod val="50000"/>
+            </a:schemeClr>
+          </a:solidFill>
+          <a:ln>
+            <a:solidFill>
+              <a:schemeClr val="bg1"/>
+            </a:solidFill>
+          </a:ln>
+        </p:spPr>
+        <p:style>
+          <a:lnRef idx="2">
+            <a:schemeClr val="accent1">
+              <a:shade val="50000"/>
+            </a:schemeClr>
+          </a:lnRef>
+          <a:fillRef idx="1">
+            <a:schemeClr val="accent1"/>
+          </a:fillRef>
+          <a:effectRef idx="0">
+            <a:schemeClr val="accent1"/>
+          </a:effectRef>
+          <a:fontRef idx="minor">
+            <a:schemeClr val="lt1"/>
+          </a:fontRef>
+        </p:style>
+        <p:txBody>
+          <a:bodyPr rtlCol="0" anchor="ctr"/>
+          <a:p>
+            <a:pPr algn="ctr"/>
+            <a:r>
+              <a:rPr lang="zh-CN" sz="1200">
+                <a:latin typeface="+mn-ea"/>
+                <a:cs typeface="+mn-ea"/>
+                <a:sym typeface="+mn-ea"/>
+              </a:rPr>
+              <a:t>分割</a:t>
+            </a:r>
+            <a:endParaRPr lang="zh-CN" sz="1200">
+              <a:solidFill>
+                <a:schemeClr val="bg1"/>
+              </a:solidFill>
+              <a:latin typeface="+mn-ea"/>
+              <a:cs typeface="+mn-ea"/>
+              <a:sym typeface="+mn-ea"/>
+            </a:endParaRPr>
+          </a:p>
+        </p:txBody>
+      </p:sp>
+      <p:sp>
+        <p:nvSpPr>
+          <p:cNvPr id="7" name="矩形 6"/>
+          <p:cNvSpPr/>
+          <p:nvPr/>
+        </p:nvSpPr>
+        <p:spPr>
+          <a:xfrm>
+            <a:off x="10191750" y="525780"/>
+            <a:ext cx="1336040" cy="393700"/>
+          </a:xfrm>
+          <a:prstGeom prst="rect">
+            <a:avLst/>
+          </a:prstGeom>
+          <a:solidFill>
+            <a:schemeClr val="bg1">
+              <a:lumMod val="50000"/>
+            </a:schemeClr>
+          </a:solidFill>
+          <a:ln>
+            <a:solidFill>
+              <a:schemeClr val="bg1"/>
+            </a:solidFill>
+          </a:ln>
+        </p:spPr>
+        <p:style>
+          <a:lnRef idx="2">
+            <a:schemeClr val="accent1">
+              <a:shade val="50000"/>
+            </a:schemeClr>
+          </a:lnRef>
+          <a:fillRef idx="1">
+            <a:schemeClr val="accent1"/>
+          </a:fillRef>
+          <a:effectRef idx="0">
+            <a:schemeClr val="accent1"/>
+          </a:effectRef>
+          <a:fontRef idx="minor">
+            <a:schemeClr val="lt1"/>
+          </a:fontRef>
+        </p:style>
+        <p:txBody>
+          <a:bodyPr rtlCol="0" anchor="ctr"/>
+          <a:p>
+            <a:pPr algn="ctr"/>
+            <a:r>
+              <a:rPr lang="zh-CN" sz="1200">
+                <a:latin typeface="+mn-ea"/>
+                <a:cs typeface="+mn-ea"/>
+                <a:sym typeface="+mn-ea"/>
+              </a:rPr>
+              <a:t>匹配</a:t>
+            </a:r>
+            <a:endParaRPr lang="zh-CN" sz="1200">
+              <a:solidFill>
+                <a:schemeClr val="bg1"/>
+              </a:solidFill>
+              <a:latin typeface="+mn-ea"/>
+              <a:cs typeface="+mn-ea"/>
+              <a:sym typeface="+mn-ea"/>
+            </a:endParaRPr>
+          </a:p>
+        </p:txBody>
+      </p:sp>
+      <p:sp>
+        <p:nvSpPr>
+          <p:cNvPr id="12" name="矩形 11"/>
+          <p:cNvSpPr/>
+          <p:nvPr/>
+        </p:nvSpPr>
+        <p:spPr>
+          <a:xfrm>
+            <a:off x="10191750" y="2879090"/>
+            <a:ext cx="1336040" cy="393700"/>
+          </a:xfrm>
+          <a:prstGeom prst="rect">
+            <a:avLst/>
+          </a:prstGeom>
+          <a:solidFill>
+            <a:schemeClr val="bg1">
+              <a:lumMod val="50000"/>
+            </a:schemeClr>
+          </a:solidFill>
+          <a:ln>
+            <a:solidFill>
+              <a:schemeClr val="bg1"/>
+            </a:solidFill>
+          </a:ln>
+        </p:spPr>
+        <p:style>
+          <a:lnRef idx="2">
+            <a:schemeClr val="accent1">
+              <a:shade val="50000"/>
+            </a:schemeClr>
+          </a:lnRef>
+          <a:fillRef idx="1">
+            <a:schemeClr val="accent1"/>
+          </a:fillRef>
+          <a:effectRef idx="0">
+            <a:schemeClr val="accent1"/>
+          </a:effectRef>
+          <a:fontRef idx="minor">
+            <a:schemeClr val="lt1"/>
+          </a:fontRef>
+        </p:style>
+        <p:txBody>
+          <a:bodyPr rtlCol="0" anchor="ctr"/>
+          <a:p>
+            <a:pPr algn="ctr"/>
+            <a:r>
+              <a:rPr lang="zh-CN" sz="1200">
+                <a:latin typeface="+mn-ea"/>
+                <a:cs typeface="+mn-ea"/>
+                <a:sym typeface="+mn-ea"/>
+              </a:rPr>
+              <a:t>替换</a:t>
+            </a:r>
+            <a:endParaRPr lang="zh-CN" sz="1200">
+              <a:solidFill>
+                <a:schemeClr val="bg1"/>
+              </a:solidFill>
+              <a:latin typeface="+mn-ea"/>
+              <a:cs typeface="+mn-ea"/>
+              <a:sym typeface="+mn-ea"/>
+            </a:endParaRPr>
+          </a:p>
+        </p:txBody>
+      </p:sp>
+      <p:sp>
+        <p:nvSpPr>
+          <p:cNvPr id="13" name="矩形 12"/>
+          <p:cNvSpPr/>
+          <p:nvPr/>
+        </p:nvSpPr>
+        <p:spPr>
+          <a:xfrm>
+            <a:off x="2437130" y="5059045"/>
+            <a:ext cx="9475470" cy="1568450"/>
+          </a:xfrm>
+          <a:prstGeom prst="rect">
+            <a:avLst/>
+          </a:prstGeom>
+          <a:solidFill>
+            <a:schemeClr val="tx2"/>
+          </a:solidFill>
+        </p:spPr>
+        <p:style>
+          <a:lnRef idx="2">
+            <a:schemeClr val="accent1">
+              <a:shade val="50000"/>
+            </a:schemeClr>
+          </a:lnRef>
+          <a:fillRef idx="1">
+            <a:schemeClr val="accent1"/>
+          </a:fillRef>
+          <a:effectRef idx="0">
+            <a:schemeClr val="accent1"/>
+          </a:effectRef>
+          <a:fontRef idx="minor">
+            <a:schemeClr val="lt1"/>
+          </a:fontRef>
+        </p:style>
+        <p:txBody>
+          <a:bodyPr rtlCol="0" anchor="ctr"/>
+          <a:p>
+            <a:pPr algn="l"/>
+            <a:r>
+              <a:rPr lang="zh-CN" altLang="en-US" sz="1200">
+                <a:solidFill>
+                  <a:schemeClr val="tx1"/>
+                </a:solidFill>
+                <a:latin typeface="+mn-ea"/>
+                <a:cs typeface="+mn-ea"/>
+                <a:sym typeface="+mn-ea"/>
+              </a:rPr>
+              <a:t>Pattern 类：pattern 对象是一个正则表达式的</a:t>
+            </a:r>
+            <a:r>
+              <a:rPr lang="zh-CN" altLang="en-US" sz="1200" b="1">
+                <a:solidFill>
+                  <a:srgbClr val="F59909"/>
+                </a:solidFill>
+                <a:latin typeface="+mn-ea"/>
+                <a:cs typeface="+mn-ea"/>
+                <a:sym typeface="+mn-ea"/>
+              </a:rPr>
+              <a:t>编译表示</a:t>
+            </a:r>
+            <a:r>
+              <a:rPr lang="zh-CN" altLang="en-US" sz="1200">
+                <a:solidFill>
+                  <a:schemeClr val="tx1"/>
+                </a:solidFill>
+                <a:latin typeface="+mn-ea"/>
+                <a:cs typeface="+mn-ea"/>
+                <a:sym typeface="+mn-ea"/>
+              </a:rPr>
+              <a:t>。Pattern 类没有公共构造方法。要创建一个 Pattern 对象，你必须首先调用其公共静态编译方法，它返回一个 Pattern 对象。该方法接受一个正则表达式作为它的第一个参数。</a:t>
+            </a:r>
+            <a:endParaRPr lang="zh-CN" altLang="en-US" sz="1200">
+              <a:solidFill>
+                <a:schemeClr val="tx1"/>
+              </a:solidFill>
+              <a:latin typeface="+mn-ea"/>
+              <a:cs typeface="+mn-ea"/>
+            </a:endParaRPr>
+          </a:p>
+          <a:p>
+            <a:pPr algn="l"/>
+            <a:endParaRPr lang="zh-CN" altLang="en-US" sz="1200">
+              <a:solidFill>
+                <a:schemeClr val="tx1"/>
+              </a:solidFill>
+              <a:latin typeface="+mn-ea"/>
+              <a:cs typeface="+mn-ea"/>
+            </a:endParaRPr>
+          </a:p>
+          <a:p>
+            <a:pPr algn="l"/>
+            <a:r>
+              <a:rPr lang="zh-CN" altLang="en-US" sz="1200">
+                <a:solidFill>
+                  <a:schemeClr val="tx1"/>
+                </a:solidFill>
+                <a:latin typeface="+mn-ea"/>
+                <a:cs typeface="+mn-ea"/>
+                <a:sym typeface="+mn-ea"/>
+              </a:rPr>
+              <a:t>Matcher 类：Matcher 对象是对输入字符串进行解释和匹配操作的引擎。与Pattern 类一样，Matcher 也没有公共构造方法。你需要调用 Pattern 对象的 matcher 方法来获得一个 Matcher 对象。</a:t>
+            </a:r>
+            <a:endParaRPr lang="zh-CN" altLang="en-US" sz="1200">
+              <a:solidFill>
+                <a:schemeClr val="tx1"/>
+              </a:solidFill>
+              <a:latin typeface="+mn-ea"/>
+              <a:cs typeface="+mn-ea"/>
+            </a:endParaRPr>
+          </a:p>
+          <a:p>
+            <a:pPr algn="l"/>
+            <a:endParaRPr lang="zh-CN" altLang="en-US" sz="1200">
+              <a:solidFill>
+                <a:schemeClr val="tx1"/>
+              </a:solidFill>
+              <a:latin typeface="+mn-ea"/>
+              <a:cs typeface="+mn-ea"/>
+            </a:endParaRPr>
+          </a:p>
+          <a:p>
+            <a:pPr algn="l"/>
+            <a:r>
+              <a:rPr lang="zh-CN" altLang="en-US" sz="1200">
+                <a:solidFill>
+                  <a:schemeClr val="tx1"/>
+                </a:solidFill>
+                <a:latin typeface="+mn-ea"/>
+                <a:cs typeface="+mn-ea"/>
+                <a:sym typeface="+mn-ea"/>
+              </a:rPr>
+              <a:t>PatternSyntaxException：PatternSyntaxException 是一个非强制异常类，它表示一个正则表达式模式中的语法错误。</a:t>
+            </a:r>
+            <a:endParaRPr lang="zh-CN" altLang="en-US" sz="1200">
+              <a:solidFill>
+                <a:schemeClr val="tx1"/>
+              </a:solidFill>
+              <a:latin typeface="+mn-ea"/>
+              <a:cs typeface="+mn-ea"/>
+              <a:sym typeface="+mn-ea"/>
+            </a:endParaRPr>
+          </a:p>
+        </p:txBody>
+      </p:sp>
+      <p:sp>
+        <p:nvSpPr>
+          <p:cNvPr id="14" name="矩形 13"/>
+          <p:cNvSpPr/>
+          <p:nvPr/>
+        </p:nvSpPr>
+        <p:spPr>
+          <a:xfrm>
+            <a:off x="10191750" y="4769485"/>
+            <a:ext cx="1336040" cy="353695"/>
+          </a:xfrm>
+          <a:prstGeom prst="rect">
+            <a:avLst/>
+          </a:prstGeom>
+          <a:solidFill>
+            <a:schemeClr val="bg1">
+              <a:lumMod val="50000"/>
+            </a:schemeClr>
+          </a:solidFill>
+          <a:ln>
+            <a:solidFill>
+              <a:schemeClr val="bg1"/>
+            </a:solidFill>
+          </a:ln>
+        </p:spPr>
+        <p:style>
+          <a:lnRef idx="2">
+            <a:schemeClr val="accent1">
+              <a:shade val="50000"/>
+            </a:schemeClr>
+          </a:lnRef>
+          <a:fillRef idx="1">
+            <a:schemeClr val="accent1"/>
+          </a:fillRef>
+          <a:effectRef idx="0">
+            <a:schemeClr val="accent1"/>
+          </a:effectRef>
+          <a:fontRef idx="minor">
+            <a:schemeClr val="lt1"/>
+          </a:fontRef>
+        </p:style>
+        <p:txBody>
+          <a:bodyPr rtlCol="0" anchor="ctr"/>
+          <a:p>
+            <a:pPr algn="ctr"/>
+            <a:r>
+              <a:rPr lang="zh-CN" sz="1200">
+                <a:latin typeface="+mn-ea"/>
+                <a:cs typeface="+mn-ea"/>
+                <a:sym typeface="+mn-ea"/>
+              </a:rPr>
+              <a:t>正则查找</a:t>
+            </a:r>
+            <a:endParaRPr lang="zh-CN" sz="1200">
+              <a:solidFill>
+                <a:schemeClr val="bg1"/>
+              </a:solidFill>
+              <a:latin typeface="+mn-ea"/>
+              <a:cs typeface="+mn-ea"/>
+              <a:sym typeface="+mn-ea"/>
+            </a:endParaRPr>
+          </a:p>
+        </p:txBody>
+      </p:sp>
+      <p:sp>
+        <p:nvSpPr>
+          <p:cNvPr id="16" name="矩形 15"/>
+          <p:cNvSpPr/>
+          <p:nvPr/>
+        </p:nvSpPr>
+        <p:spPr>
+          <a:xfrm>
+            <a:off x="118110" y="5544185"/>
+            <a:ext cx="1694180" cy="543560"/>
+          </a:xfrm>
+          <a:prstGeom prst="rect">
+            <a:avLst/>
+          </a:prstGeom>
+          <a:solidFill>
+            <a:srgbClr val="F59909"/>
+          </a:solidFill>
+          <a:ln>
+            <a:solidFill>
+              <a:schemeClr val="bg1"/>
+            </a:solidFill>
+          </a:ln>
+        </p:spPr>
+        <p:style>
+          <a:lnRef idx="2">
+            <a:schemeClr val="accent1">
+              <a:shade val="50000"/>
+            </a:schemeClr>
+          </a:lnRef>
+          <a:fillRef idx="1">
+            <a:schemeClr val="accent1"/>
+          </a:fillRef>
+          <a:effectRef idx="0">
+            <a:schemeClr val="accent1"/>
+          </a:effectRef>
+          <a:fontRef idx="minor">
+            <a:schemeClr val="lt1"/>
+          </a:fontRef>
+        </p:style>
+        <p:txBody>
+          <a:bodyPr rtlCol="0" anchor="ctr"/>
+          <a:p>
+            <a:pPr algn="ctr"/>
+            <a:r>
+              <a:rPr lang="zh-CN" altLang="en-US" sz="1400">
+                <a:latin typeface="+mn-ea"/>
+                <a:cs typeface="+mn-ea"/>
+                <a:sym typeface="+mn-ea"/>
+              </a:rPr>
+              <a:t>java.util.regex 包</a:t>
+            </a:r>
+            <a:endParaRPr lang="en-US" altLang="zh-CN" sz="1400">
+              <a:solidFill>
+                <a:schemeClr val="bg1"/>
+              </a:solidFill>
+              <a:latin typeface="+mn-ea"/>
+              <a:cs typeface="+mn-ea"/>
+              <a:sym typeface="+mn-ea"/>
+            </a:endParaRPr>
+          </a:p>
+        </p:txBody>
+      </p:sp>
+      <p:sp>
+        <p:nvSpPr>
+          <p:cNvPr id="17" name="右箭头 16"/>
+          <p:cNvSpPr/>
+          <p:nvPr/>
+        </p:nvSpPr>
+        <p:spPr>
+          <a:xfrm>
+            <a:off x="1906905" y="5687695"/>
+            <a:ext cx="473075" cy="282575"/>
+          </a:xfrm>
+          <a:prstGeom prst="rightArrow">
+            <a:avLst/>
+          </a:prstGeom>
+          <a:solidFill>
+            <a:srgbClr val="F59909"/>
+          </a:solidFill>
+          <a:ln>
+            <a:noFill/>
+          </a:ln>
+        </p:spPr>
+        <p:style>
+          <a:lnRef idx="2">
+            <a:schemeClr val="accent1">
+              <a:shade val="50000"/>
+            </a:schemeClr>
+          </a:lnRef>
+          <a:fillRef idx="1">
+            <a:schemeClr val="accent1"/>
+          </a:fillRef>
+          <a:effectRef idx="0">
+            <a:schemeClr val="accent1"/>
+          </a:effectRef>
+          <a:fontRef idx="minor">
+            <a:schemeClr val="lt1"/>
+          </a:fontRef>
+        </p:style>
+        <p:txBody>
+          <a:bodyPr rtlCol="0" anchor="ctr"/>
+          <a:p>
+            <a:pPr algn="ctr"/>
+            <a:endParaRPr lang="zh-CN" altLang="en-US"/>
+          </a:p>
+        </p:txBody>
+      </p:sp>
     </p:spTree>
     <p:custDataLst>
-      <p:tags r:id="rId3"/>
+      <p:tags r:id="rId2"/>
     </p:custDataLst>
   </p:cSld>
   <p:clrMapOvr>
@@ -14842,33 +14886,6 @@
 </p:tagLst>
 </file>
 
-<file path=ppt/tags/tag93.xml><?xml version="1.0" encoding="utf-8"?>
-<p:tagLst xmlns:p="http://schemas.openxmlformats.org/presentationml/2006/main">
-  <p:tag name="KSO_WM_BEAUTIFY_FLAG" val="#wm#"/>
-  <p:tag name="KSO_WM_TEMPLATE_CATEGORY" val="custom"/>
-  <p:tag name="KSO_WM_TEMPLATE_INDEX" val="20203858"/>
-  <p:tag name="KSO_WM_SPECIAL_SOURCE" val="bdnull"/>
-</p:tagLst>
-</file>
-
-<file path=ppt/tags/tag94.xml><?xml version="1.0" encoding="utf-8"?>
-<p:tagLst xmlns:p="http://schemas.openxmlformats.org/presentationml/2006/main">
-  <p:tag name="KSO_WM_BEAUTIFY_FLAG" val="#wm#"/>
-  <p:tag name="KSO_WM_TEMPLATE_CATEGORY" val="custom"/>
-  <p:tag name="KSO_WM_TEMPLATE_INDEX" val="20203858"/>
-  <p:tag name="KSO_WM_SPECIAL_SOURCE" val="bdnull"/>
-</p:tagLst>
-</file>
-
-<file path=ppt/tags/tag95.xml><?xml version="1.0" encoding="utf-8"?>
-<p:tagLst xmlns:p="http://schemas.openxmlformats.org/presentationml/2006/main">
-  <p:tag name="KSO_WM_BEAUTIFY_FLAG" val="#wm#"/>
-  <p:tag name="KSO_WM_TEMPLATE_CATEGORY" val="custom"/>
-  <p:tag name="KSO_WM_TEMPLATE_INDEX" val="20203858"/>
-  <p:tag name="KSO_WM_SPECIAL_SOURCE" val="bdnull"/>
-</p:tagLst>
-</file>
-
 <file path=ppt/theme/theme1.xml><?xml version="1.0" encoding="utf-8"?>
 <a:theme xmlns:a="http://schemas.openxmlformats.org/drawingml/2006/main" name="1_Office 主题​​">
   <a:themeElements>
